--- a/BANANA_YELLOW_HANGMAN.pptx
+++ b/BANANA_YELLOW_HANGMAN.pptx
@@ -3854,6 +3854,60 @@
           <a:chExt cx="0" cy="0"/>
         </a:xfrm>
       </p:grpSpPr>
+      <p:pic>
+        <p:nvPicPr>
+          <p:cNvPr id="2" name="Picture 1"/>
+          <p:cNvPicPr>
+            <a:picLocks noChangeAspect="1"/>
+          </p:cNvPicPr>
+          <p:nvPr/>
+        </p:nvPicPr>
+        <p:blipFill>
+          <a:blip r:embed="rId2" cstate="print">
+            <a:extLst>
+              <a:ext uri="{28A0092B-C50C-407E-A947-70E740481C1C}">
+                <a14:useLocalDpi xmlns:a14="http://schemas.microsoft.com/office/drawing/2010/main" val="0"/>
+              </a:ext>
+            </a:extLst>
+          </a:blip>
+          <a:stretch>
+            <a:fillRect/>
+          </a:stretch>
+        </p:blipFill>
+        <p:spPr>
+          <a:xfrm>
+            <a:off x="4872898" y="2417673"/>
+            <a:ext cx="1627200" cy="1556936"/>
+          </a:xfrm>
+          <a:prstGeom prst="ellipse">
+            <a:avLst/>
+          </a:prstGeom>
+          <a:ln w="63500" cap="rnd">
+            <a:solidFill>
+              <a:srgbClr val="333333"/>
+            </a:solidFill>
+          </a:ln>
+          <a:effectLst>
+            <a:outerShdw blurRad="381000" dist="292100" dir="5400000" sx="-80000" sy="-18000" rotWithShape="0">
+              <a:srgbClr val="000000">
+                <a:alpha val="22000"/>
+              </a:srgbClr>
+            </a:outerShdw>
+          </a:effectLst>
+          <a:scene3d>
+            <a:camera prst="orthographicFront"/>
+            <a:lightRig rig="contrasting" dir="t">
+              <a:rot lat="0" lon="0" rev="3000000"/>
+            </a:lightRig>
+          </a:scene3d>
+          <a:sp3d contourW="7620">
+            <a:bevelT w="95250" h="31750"/>
+            <a:contourClr>
+              <a:srgbClr val="333333"/>
+            </a:contourClr>
+          </a:sp3d>
+        </p:spPr>
+      </p:pic>
       <p:sp>
         <p:nvSpPr>
           <p:cNvPr id="6" name="Rectangle 2"/>
@@ -4041,7 +4095,7 @@
           <p:nvPr/>
         </p:nvPicPr>
         <p:blipFill>
-          <a:blip r:embed="rId2">
+          <a:blip r:embed="rId3">
             <a:extLst>
               <a:ext uri="{28A0092B-C50C-407E-A947-70E740481C1C}">
                 <a14:useLocalDpi xmlns:a14="http://schemas.microsoft.com/office/drawing/2010/main" val="0"/>
@@ -4095,7 +4149,7 @@
           <p:nvPr/>
         </p:nvPicPr>
         <p:blipFill>
-          <a:blip r:embed="rId3">
+          <a:blip r:embed="rId4">
             <a:extLst>
               <a:ext uri="{28A0092B-C50C-407E-A947-70E740481C1C}">
                 <a14:useLocalDpi xmlns:a14="http://schemas.microsoft.com/office/drawing/2010/main" val="0"/>
@@ -4149,7 +4203,7 @@
           <p:nvPr/>
         </p:nvPicPr>
         <p:blipFill>
-          <a:blip r:embed="rId4">
+          <a:blip r:embed="rId5">
             <a:extLst>
               <a:ext uri="{28A0092B-C50C-407E-A947-70E740481C1C}">
                 <a14:useLocalDpi xmlns:a14="http://schemas.microsoft.com/office/drawing/2010/main" val="0"/>
@@ -4203,7 +4257,7 @@
           <p:nvPr/>
         </p:nvPicPr>
         <p:blipFill>
-          <a:blip r:embed="rId5">
+          <a:blip r:embed="rId6">
             <a:extLst>
               <a:ext uri="{28A0092B-C50C-407E-A947-70E740481C1C}">
                 <a14:useLocalDpi xmlns:a14="http://schemas.microsoft.com/office/drawing/2010/main" val="0"/>
@@ -4217,60 +4271,6 @@
         <p:spPr>
           <a:xfrm>
             <a:off x="1043608" y="4788288"/>
-            <a:ext cx="1627200" cy="1627200"/>
-          </a:xfrm>
-          <a:prstGeom prst="ellipse">
-            <a:avLst/>
-          </a:prstGeom>
-          <a:ln w="63500" cap="rnd">
-            <a:solidFill>
-              <a:srgbClr val="333333"/>
-            </a:solidFill>
-          </a:ln>
-          <a:effectLst>
-            <a:outerShdw blurRad="381000" dist="292100" dir="5400000" sx="-80000" sy="-18000" rotWithShape="0">
-              <a:srgbClr val="000000">
-                <a:alpha val="22000"/>
-              </a:srgbClr>
-            </a:outerShdw>
-          </a:effectLst>
-          <a:scene3d>
-            <a:camera prst="orthographicFront"/>
-            <a:lightRig rig="contrasting" dir="t">
-              <a:rot lat="0" lon="0" rev="3000000"/>
-            </a:lightRig>
-          </a:scene3d>
-          <a:sp3d contourW="7620">
-            <a:bevelT w="95250" h="31750"/>
-            <a:contourClr>
-              <a:srgbClr val="333333"/>
-            </a:contourClr>
-          </a:sp3d>
-        </p:spPr>
-      </p:pic>
-      <p:pic>
-        <p:nvPicPr>
-          <p:cNvPr id="11" name="Picture 10"/>
-          <p:cNvPicPr>
-            <a:picLocks noChangeAspect="1"/>
-          </p:cNvPicPr>
-          <p:nvPr/>
-        </p:nvPicPr>
-        <p:blipFill>
-          <a:blip r:embed="rId6">
-            <a:extLst>
-              <a:ext uri="{28A0092B-C50C-407E-A947-70E740481C1C}">
-                <a14:useLocalDpi xmlns:a14="http://schemas.microsoft.com/office/drawing/2010/main" val="0"/>
-              </a:ext>
-            </a:extLst>
-          </a:blip>
-          <a:stretch>
-            <a:fillRect/>
-          </a:stretch>
-        </p:blipFill>
-        <p:spPr>
-          <a:xfrm>
-            <a:off x="4716016" y="2614160"/>
             <a:ext cx="1627200" cy="1627200"/>
           </a:xfrm>
           <a:prstGeom prst="ellipse">
@@ -4324,7 +4324,7 @@
         </p:blipFill>
         <p:spPr>
           <a:xfrm>
-            <a:off x="3347864" y="5115509"/>
+            <a:off x="3347864" y="5085184"/>
             <a:ext cx="1627200" cy="1627200"/>
           </a:xfrm>
           <a:prstGeom prst="ellipse">
@@ -4358,94 +4358,6 @@
       </p:pic>
       <p:sp>
         <p:nvSpPr>
-          <p:cNvPr id="13" name="Rectangle 12"/>
-          <p:cNvSpPr/>
-          <p:nvPr/>
-        </p:nvSpPr>
-        <p:spPr>
-          <a:xfrm>
-            <a:off x="359782" y="1780480"/>
-            <a:ext cx="7603363" cy="2646878"/>
-          </a:xfrm>
-          <a:prstGeom prst="rect">
-            <a:avLst/>
-          </a:prstGeom>
-          <a:noFill/>
-          <a:ln>
-            <a:noFill/>
-          </a:ln>
-          <a:effectLst>
-            <a:outerShdw blurRad="127000" dist="38100" dir="2700000" algn="ctr">
-              <a:srgbClr val="000000">
-                <a:alpha val="45000"/>
-              </a:srgbClr>
-            </a:outerShdw>
-          </a:effectLst>
-          <a:scene3d>
-            <a:camera prst="perspectiveFront" fov="2700000">
-              <a:rot lat="20376000" lon="1938000" rev="20112001"/>
-            </a:camera>
-            <a:lightRig rig="soft" dir="t">
-              <a:rot lat="0" lon="0" rev="0"/>
-            </a:lightRig>
-          </a:scene3d>
-          <a:sp3d prstMaterial="translucentPowder">
-            <a:bevelT w="203200" h="50800" prst="softRound"/>
-          </a:sp3d>
-        </p:spPr>
-        <p:txBody>
-          <a:bodyPr wrap="none" lIns="91440" tIns="45720" rIns="91440" bIns="45720">
-            <a:spAutoFit/>
-          </a:bodyPr>
-          <a:lstStyle/>
-          <a:p>
-            <a:pPr algn="ctr"/>
-            <a:r>
-              <a:rPr lang="en-US" sz="16600" b="1" cap="none" spc="0" dirty="0" smtClean="0">
-                <a:ln w="10160">
-                  <a:solidFill>
-                    <a:schemeClr val="accent5"/>
-                  </a:solidFill>
-                  <a:prstDash val="solid"/>
-                </a:ln>
-                <a:solidFill>
-                  <a:srgbClr val="FFFFFF"/>
-                </a:solidFill>
-                <a:effectLst>
-                  <a:outerShdw blurRad="38100" dist="22860" dir="5400000" algn="tl" rotWithShape="0">
-                    <a:srgbClr val="000000">
-                      <a:alpha val="30000"/>
-                    </a:srgbClr>
-                  </a:outerShdw>
-                </a:effectLst>
-                <a:latin typeface="Agency FB" panose="020B0503020202020204" pitchFamily="34" charset="0"/>
-              </a:rPr>
-              <a:t>PRESENTS</a:t>
-            </a:r>
-            <a:endParaRPr lang="en-US" sz="16600" b="1" cap="none" spc="0" dirty="0">
-              <a:ln w="10160">
-                <a:solidFill>
-                  <a:schemeClr val="accent5"/>
-                </a:solidFill>
-                <a:prstDash val="solid"/>
-              </a:ln>
-              <a:solidFill>
-                <a:srgbClr val="FFFFFF"/>
-              </a:solidFill>
-              <a:effectLst>
-                <a:outerShdw blurRad="38100" dist="22860" dir="5400000" algn="tl" rotWithShape="0">
-                  <a:srgbClr val="000000">
-                    <a:alpha val="30000"/>
-                  </a:srgbClr>
-                </a:outerShdw>
-              </a:effectLst>
-              <a:latin typeface="Agency FB" panose="020B0503020202020204" pitchFamily="34" charset="0"/>
-            </a:endParaRPr>
-          </a:p>
-        </p:txBody>
-      </p:sp>
-      <p:sp>
-        <p:nvSpPr>
           <p:cNvPr id="3" name="TextBox 2"/>
           <p:cNvSpPr txBox="1"/>
           <p:nvPr/>
@@ -4554,6 +4466,94 @@
           </a:prstGeom>
         </p:spPr>
       </p:pic>
+      <p:sp>
+        <p:nvSpPr>
+          <p:cNvPr id="13" name="Rectangle 12"/>
+          <p:cNvSpPr/>
+          <p:nvPr/>
+        </p:nvSpPr>
+        <p:spPr>
+          <a:xfrm>
+            <a:off x="324171" y="1911539"/>
+            <a:ext cx="7603363" cy="2646878"/>
+          </a:xfrm>
+          <a:prstGeom prst="rect">
+            <a:avLst/>
+          </a:prstGeom>
+          <a:noFill/>
+          <a:ln>
+            <a:noFill/>
+          </a:ln>
+          <a:effectLst>
+            <a:outerShdw blurRad="127000" dist="38100" dir="2700000" algn="ctr">
+              <a:srgbClr val="000000">
+                <a:alpha val="45000"/>
+              </a:srgbClr>
+            </a:outerShdw>
+          </a:effectLst>
+          <a:scene3d>
+            <a:camera prst="perspectiveFront" fov="2700000">
+              <a:rot lat="20376000" lon="1938000" rev="20112001"/>
+            </a:camera>
+            <a:lightRig rig="soft" dir="t">
+              <a:rot lat="0" lon="0" rev="0"/>
+            </a:lightRig>
+          </a:scene3d>
+          <a:sp3d prstMaterial="translucentPowder">
+            <a:bevelT w="203200" h="50800" prst="softRound"/>
+          </a:sp3d>
+        </p:spPr>
+        <p:txBody>
+          <a:bodyPr wrap="none" lIns="91440" tIns="45720" rIns="91440" bIns="45720">
+            <a:spAutoFit/>
+          </a:bodyPr>
+          <a:lstStyle/>
+          <a:p>
+            <a:pPr algn="ctr"/>
+            <a:r>
+              <a:rPr lang="en-US" sz="16600" b="1" cap="none" spc="0" dirty="0" smtClean="0">
+                <a:ln w="10160">
+                  <a:solidFill>
+                    <a:schemeClr val="accent5"/>
+                  </a:solidFill>
+                  <a:prstDash val="solid"/>
+                </a:ln>
+                <a:solidFill>
+                  <a:srgbClr val="FFFFFF"/>
+                </a:solidFill>
+                <a:effectLst>
+                  <a:outerShdw blurRad="38100" dist="22860" dir="5400000" algn="tl" rotWithShape="0">
+                    <a:srgbClr val="000000">
+                      <a:alpha val="30000"/>
+                    </a:srgbClr>
+                  </a:outerShdw>
+                </a:effectLst>
+                <a:latin typeface="Agency FB" panose="020B0503020202020204" pitchFamily="34" charset="0"/>
+              </a:rPr>
+              <a:t>PRESENTS</a:t>
+            </a:r>
+            <a:endParaRPr lang="en-US" sz="16600" b="1" cap="none" spc="0" dirty="0">
+              <a:ln w="10160">
+                <a:solidFill>
+                  <a:schemeClr val="accent5"/>
+                </a:solidFill>
+                <a:prstDash val="solid"/>
+              </a:ln>
+              <a:solidFill>
+                <a:srgbClr val="FFFFFF"/>
+              </a:solidFill>
+              <a:effectLst>
+                <a:outerShdw blurRad="38100" dist="22860" dir="5400000" algn="tl" rotWithShape="0">
+                  <a:srgbClr val="000000">
+                    <a:alpha val="30000"/>
+                  </a:srgbClr>
+                </a:outerShdw>
+              </a:effectLst>
+              <a:latin typeface="Agency FB" panose="020B0503020202020204" pitchFamily="34" charset="0"/>
+            </a:endParaRPr>
+          </a:p>
+        </p:txBody>
+      </p:sp>
     </p:spTree>
   </p:cSld>
   <p:clrMapOvr>
@@ -4956,7 +4956,7 @@
                                           </p:stCondLst>
                                         </p:cTn>
                                         <p:tgtEl>
-                                          <p:spTgt spid="11"/>
+                                          <p:spTgt spid="2"/>
                                         </p:tgtEl>
                                         <p:attrNameLst>
                                           <p:attrName>style.visibility</p:attrName>
@@ -4970,7 +4970,7 @@
                                       <p:cBhvr>
                                         <p:cTn id="31" dur="500" fill="hold"/>
                                         <p:tgtEl>
-                                          <p:spTgt spid="11"/>
+                                          <p:spTgt spid="2"/>
                                         </p:tgtEl>
                                         <p:attrNameLst>
                                           <p:attrName>ppt_w</p:attrName>
@@ -4993,7 +4993,7 @@
                                       <p:cBhvr>
                                         <p:cTn id="32" dur="500" fill="hold"/>
                                         <p:tgtEl>
-                                          <p:spTgt spid="11"/>
+                                          <p:spTgt spid="2"/>
                                         </p:tgtEl>
                                         <p:attrNameLst>
                                           <p:attrName>ppt_h</p:attrName>
@@ -5016,7 +5016,7 @@
                                       <p:cBhvr>
                                         <p:cTn id="33" dur="500"/>
                                         <p:tgtEl>
-                                          <p:spTgt spid="11"/>
+                                          <p:spTgt spid="2"/>
                                         </p:tgtEl>
                                       </p:cBhvr>
                                     </p:animEffect>

--- a/BANANA_YELLOW_HANGMAN.pptx
+++ b/BANANA_YELLOW_HANGMAN.pptx
@@ -8,7 +8,6 @@
     <p:sldId id="260" r:id="rId3"/>
     <p:sldId id="257" r:id="rId4"/>
     <p:sldId id="258" r:id="rId5"/>
-    <p:sldId id="261" r:id="rId6"/>
   </p:sldIdLst>
   <p:sldSz cx="9144000" cy="6858000" type="screen4x3"/>
   <p:notesSz cx="6858000" cy="9144000"/>
@@ -5964,16 +5963,58 @@
         <p:spPr>
           <a:xfrm>
             <a:off x="611560" y="1676400"/>
-            <a:ext cx="6170240" cy="4419600"/>
+            <a:ext cx="6170240" cy="2256656"/>
           </a:xfrm>
         </p:spPr>
         <p:txBody>
           <a:bodyPr/>
           <a:lstStyle/>
           <a:p>
-            <a:pPr marL="0" indent="0">
+            <a:pPr marL="0" indent="0" algn="ctr">
               <a:buNone/>
             </a:pPr>
+            <a:r>
+              <a:rPr lang="en-US" dirty="0" smtClean="0"/>
+              <a:t>You can see full code with</a:t>
+            </a:r>
+            <a:r>
+              <a:rPr lang="bg-BG" dirty="0" smtClean="0"/>
+              <a:t> </a:t>
+            </a:r>
+            <a:r>
+              <a:rPr lang="en-US" dirty="0" smtClean="0"/>
+              <a:t>explanations </a:t>
+            </a:r>
+            <a:r>
+              <a:rPr lang="en-US" dirty="0" smtClean="0"/>
+              <a:t>in</a:t>
+            </a:r>
+            <a:r>
+              <a:rPr lang="bg-BG" dirty="0" smtClean="0"/>
+              <a:t> </a:t>
+            </a:r>
+            <a:r>
+              <a:rPr lang="en-US" dirty="0" smtClean="0"/>
+              <a:t>Bulgarian on:</a:t>
+            </a:r>
+          </a:p>
+          <a:p>
+            <a:pPr marL="0" indent="0" algn="ctr">
+              <a:buNone/>
+            </a:pPr>
+            <a:r>
+              <a:rPr lang="en-US" dirty="0"/>
+              <a:t/>
+            </a:r>
+            <a:br>
+              <a:rPr lang="en-US" dirty="0"/>
+            </a:br>
+            <a:r>
+              <a:rPr lang="en-US" dirty="0">
+                <a:hlinkClick r:id="rId3"/>
+              </a:rPr>
+              <a:t>http://webvisuality.com/hangman-by-banana-yellow/</a:t>
+            </a:r>
             <a:endParaRPr lang="en-US" dirty="0"/>
           </a:p>
         </p:txBody>
@@ -5987,7 +6028,7 @@
           <p:nvPr/>
         </p:nvPicPr>
         <p:blipFill>
-          <a:blip r:embed="rId3" cstate="print">
+          <a:blip r:embed="rId4" cstate="print">
             <a:extLst>
               <a:ext uri="{28A0092B-C50C-407E-A947-70E740481C1C}">
                 <a14:useLocalDpi xmlns:a14="http://schemas.microsoft.com/office/drawing/2010/main" val="0"/>
@@ -6088,105 +6129,362 @@
           </a:p>
         </p:txBody>
       </p:sp>
-    </p:spTree>
-  </p:cSld>
-  <p:clrMapOvr>
-    <a:masterClrMapping/>
-  </p:clrMapOvr>
-  <p:transition spd="slow">
-    <p:cover/>
-  </p:transition>
-  <p:timing>
-    <p:tnLst>
-      <p:par>
-        <p:cTn id="1" dur="indefinite" restart="never" nodeType="tmRoot"/>
-      </p:par>
-    </p:tnLst>
-  </p:timing>
-</p:sld>
-</file>
-
-<file path=ppt/slides/slide4.xml><?xml version="1.0" encoding="utf-8"?>
-<p:sld xmlns:a="http://schemas.openxmlformats.org/drawingml/2006/main" xmlns:r="http://schemas.openxmlformats.org/officeDocument/2006/relationships" xmlns:p="http://schemas.openxmlformats.org/presentationml/2006/main">
-  <p:cSld>
-    <p:spTree>
-      <p:nvGrpSpPr>
-        <p:cNvPr id="1" name=""/>
-        <p:cNvGrpSpPr/>
-        <p:nvPr/>
-      </p:nvGrpSpPr>
-      <p:grpSpPr>
-        <a:xfrm>
-          <a:off x="0" y="0"/>
-          <a:ext cx="0" cy="0"/>
-          <a:chOff x="0" y="0"/>
-          <a:chExt cx="0" cy="0"/>
-        </a:xfrm>
-      </p:grpSpPr>
-      <p:sp>
-        <p:nvSpPr>
-          <p:cNvPr id="2" name="Title 1"/>
-          <p:cNvSpPr>
-            <a:spLocks noGrp="1"/>
-          </p:cNvSpPr>
-          <p:nvPr>
-            <p:ph type="title"/>
-          </p:nvPr>
-        </p:nvSpPr>
-        <p:spPr/>
-        <p:txBody>
-          <a:bodyPr/>
-          <a:lstStyle/>
+      <p:sp>
+        <p:nvSpPr>
+          <p:cNvPr id="9" name="Title 1"/>
+          <p:cNvSpPr txBox="1">
+            <a:spLocks/>
+          </p:cNvSpPr>
+          <p:nvPr/>
+        </p:nvSpPr>
+        <p:spPr bwMode="auto">
+          <a:xfrm>
+            <a:off x="346162" y="3789040"/>
+            <a:ext cx="6324600" cy="914400"/>
+          </a:xfrm>
+          <a:prstGeom prst="rect">
+            <a:avLst/>
+          </a:prstGeom>
+          <a:noFill/>
+          <a:ln w="9525">
+            <a:noFill/>
+            <a:miter lim="800000"/>
+            <a:headEnd/>
+            <a:tailEnd/>
+          </a:ln>
+          <a:effectLst/>
+        </p:spPr>
+        <p:txBody>
+          <a:bodyPr vert="horz" wrap="square" lIns="91440" tIns="45720" rIns="91440" bIns="45720" numCol="1" anchor="ctr" anchorCtr="0" compatLnSpc="1">
+            <a:prstTxWarp prst="textNoShape">
+              <a:avLst/>
+            </a:prstTxWarp>
+          </a:bodyPr>
+          <a:lstStyle>
+            <a:lvl1pPr algn="l" rtl="0" eaLnBrk="1" fontAlgn="base" hangingPunct="1">
+              <a:spcBef>
+                <a:spcPct val="0"/>
+              </a:spcBef>
+              <a:spcAft>
+                <a:spcPct val="0"/>
+              </a:spcAft>
+              <a:defRPr sz="2800">
+                <a:solidFill>
+                  <a:schemeClr val="tx1"/>
+                </a:solidFill>
+                <a:latin typeface="+mj-lt"/>
+                <a:ea typeface="+mj-ea"/>
+                <a:cs typeface="+mj-cs"/>
+              </a:defRPr>
+            </a:lvl1pPr>
+            <a:lvl2pPr algn="ctr" rtl="0" eaLnBrk="1" fontAlgn="base" hangingPunct="1">
+              <a:spcBef>
+                <a:spcPct val="0"/>
+              </a:spcBef>
+              <a:spcAft>
+                <a:spcPct val="0"/>
+              </a:spcAft>
+              <a:defRPr sz="2800">
+                <a:solidFill>
+                  <a:schemeClr val="tx1"/>
+                </a:solidFill>
+                <a:latin typeface="Eras Bold ITC" pitchFamily="34" charset="0"/>
+              </a:defRPr>
+            </a:lvl2pPr>
+            <a:lvl3pPr algn="ctr" rtl="0" eaLnBrk="1" fontAlgn="base" hangingPunct="1">
+              <a:spcBef>
+                <a:spcPct val="0"/>
+              </a:spcBef>
+              <a:spcAft>
+                <a:spcPct val="0"/>
+              </a:spcAft>
+              <a:defRPr sz="2800">
+                <a:solidFill>
+                  <a:schemeClr val="tx1"/>
+                </a:solidFill>
+                <a:latin typeface="Eras Bold ITC" pitchFamily="34" charset="0"/>
+              </a:defRPr>
+            </a:lvl3pPr>
+            <a:lvl4pPr algn="ctr" rtl="0" eaLnBrk="1" fontAlgn="base" hangingPunct="1">
+              <a:spcBef>
+                <a:spcPct val="0"/>
+              </a:spcBef>
+              <a:spcAft>
+                <a:spcPct val="0"/>
+              </a:spcAft>
+              <a:defRPr sz="2800">
+                <a:solidFill>
+                  <a:schemeClr val="tx1"/>
+                </a:solidFill>
+                <a:latin typeface="Eras Bold ITC" pitchFamily="34" charset="0"/>
+              </a:defRPr>
+            </a:lvl4pPr>
+            <a:lvl5pPr algn="ctr" rtl="0" eaLnBrk="1" fontAlgn="base" hangingPunct="1">
+              <a:spcBef>
+                <a:spcPct val="0"/>
+              </a:spcBef>
+              <a:spcAft>
+                <a:spcPct val="0"/>
+              </a:spcAft>
+              <a:defRPr sz="2800">
+                <a:solidFill>
+                  <a:schemeClr val="tx1"/>
+                </a:solidFill>
+                <a:latin typeface="Eras Bold ITC" pitchFamily="34" charset="0"/>
+              </a:defRPr>
+            </a:lvl5pPr>
+            <a:lvl6pPr marL="457200" algn="ctr" rtl="0" eaLnBrk="1" fontAlgn="base" hangingPunct="1">
+              <a:spcBef>
+                <a:spcPct val="0"/>
+              </a:spcBef>
+              <a:spcAft>
+                <a:spcPct val="0"/>
+              </a:spcAft>
+              <a:defRPr sz="2800">
+                <a:solidFill>
+                  <a:schemeClr val="tx1"/>
+                </a:solidFill>
+                <a:latin typeface="Eras Bold ITC" pitchFamily="34" charset="0"/>
+              </a:defRPr>
+            </a:lvl6pPr>
+            <a:lvl7pPr marL="914400" algn="ctr" rtl="0" eaLnBrk="1" fontAlgn="base" hangingPunct="1">
+              <a:spcBef>
+                <a:spcPct val="0"/>
+              </a:spcBef>
+              <a:spcAft>
+                <a:spcPct val="0"/>
+              </a:spcAft>
+              <a:defRPr sz="2800">
+                <a:solidFill>
+                  <a:schemeClr val="tx1"/>
+                </a:solidFill>
+                <a:latin typeface="Eras Bold ITC" pitchFamily="34" charset="0"/>
+              </a:defRPr>
+            </a:lvl7pPr>
+            <a:lvl8pPr marL="1371600" algn="ctr" rtl="0" eaLnBrk="1" fontAlgn="base" hangingPunct="1">
+              <a:spcBef>
+                <a:spcPct val="0"/>
+              </a:spcBef>
+              <a:spcAft>
+                <a:spcPct val="0"/>
+              </a:spcAft>
+              <a:defRPr sz="2800">
+                <a:solidFill>
+                  <a:schemeClr val="tx1"/>
+                </a:solidFill>
+                <a:latin typeface="Eras Bold ITC" pitchFamily="34" charset="0"/>
+              </a:defRPr>
+            </a:lvl8pPr>
+            <a:lvl9pPr marL="1828800" algn="ctr" rtl="0" eaLnBrk="1" fontAlgn="base" hangingPunct="1">
+              <a:spcBef>
+                <a:spcPct val="0"/>
+              </a:spcBef>
+              <a:spcAft>
+                <a:spcPct val="0"/>
+              </a:spcAft>
+              <a:defRPr sz="2800">
+                <a:solidFill>
+                  <a:schemeClr val="tx1"/>
+                </a:solidFill>
+                <a:latin typeface="Eras Bold ITC" pitchFamily="34" charset="0"/>
+              </a:defRPr>
+            </a:lvl9pPr>
+          </a:lstStyle>
           <a:p>
             <a:pPr algn="ctr"/>
             <a:r>
-              <a:rPr lang="en-US" dirty="0" smtClean="0"/>
+              <a:rPr lang="en-US" kern="0" dirty="0" smtClean="0"/>
               <a:t>GitHub Repository</a:t>
             </a:r>
-            <a:endParaRPr lang="bg-BG" dirty="0"/>
-          </a:p>
-        </p:txBody>
-      </p:sp>
-      <p:sp>
-        <p:nvSpPr>
-          <p:cNvPr id="3" name="Content Placeholder 2"/>
-          <p:cNvSpPr>
-            <a:spLocks noGrp="1"/>
-          </p:cNvSpPr>
-          <p:nvPr>
-            <p:ph idx="1"/>
-          </p:nvPr>
-        </p:nvSpPr>
-        <p:spPr>
+            <a:endParaRPr lang="bg-BG" kern="0" dirty="0"/>
+          </a:p>
+        </p:txBody>
+      </p:sp>
+      <p:sp>
+        <p:nvSpPr>
+          <p:cNvPr id="10" name="Content Placeholder 2"/>
+          <p:cNvSpPr txBox="1">
+            <a:spLocks/>
+          </p:cNvSpPr>
+          <p:nvPr/>
+        </p:nvSpPr>
+        <p:spPr bwMode="auto">
           <a:xfrm>
-            <a:off x="539552" y="1676400"/>
-            <a:ext cx="6242248" cy="4419600"/>
+            <a:off x="457200" y="4790157"/>
+            <a:ext cx="6242248" cy="1320552"/>
           </a:xfrm>
+          <a:prstGeom prst="rect">
+            <a:avLst/>
+          </a:prstGeom>
+          <a:noFill/>
+          <a:ln w="9525">
+            <a:noFill/>
+            <a:miter lim="800000"/>
+            <a:headEnd/>
+            <a:tailEnd/>
+          </a:ln>
+          <a:effectLst/>
         </p:spPr>
         <p:txBody>
-          <a:bodyPr/>
-          <a:lstStyle/>
+          <a:bodyPr vert="horz" wrap="square" lIns="91440" tIns="45720" rIns="91440" bIns="45720" numCol="1" anchor="t" anchorCtr="0" compatLnSpc="1">
+            <a:prstTxWarp prst="textNoShape">
+              <a:avLst/>
+            </a:prstTxWarp>
+          </a:bodyPr>
+          <a:lstStyle>
+            <a:lvl1pPr marL="342900" indent="-342900" algn="l" rtl="0" eaLnBrk="1" fontAlgn="base" hangingPunct="1">
+              <a:spcBef>
+                <a:spcPct val="20000"/>
+              </a:spcBef>
+              <a:spcAft>
+                <a:spcPct val="0"/>
+              </a:spcAft>
+              <a:buChar char="•"/>
+              <a:defRPr sz="2400">
+                <a:solidFill>
+                  <a:schemeClr val="tx1"/>
+                </a:solidFill>
+                <a:latin typeface="+mn-lt"/>
+                <a:ea typeface="+mn-ea"/>
+                <a:cs typeface="+mn-cs"/>
+              </a:defRPr>
+            </a:lvl1pPr>
+            <a:lvl2pPr marL="742950" indent="-285750" algn="l" rtl="0" eaLnBrk="1" fontAlgn="base" hangingPunct="1">
+              <a:spcBef>
+                <a:spcPct val="20000"/>
+              </a:spcBef>
+              <a:spcAft>
+                <a:spcPct val="0"/>
+              </a:spcAft>
+              <a:buChar char="–"/>
+              <a:defRPr sz="2000">
+                <a:solidFill>
+                  <a:schemeClr val="tx1"/>
+                </a:solidFill>
+                <a:latin typeface="+mn-lt"/>
+              </a:defRPr>
+            </a:lvl2pPr>
+            <a:lvl3pPr marL="1143000" indent="-228600" algn="l" rtl="0" eaLnBrk="1" fontAlgn="base" hangingPunct="1">
+              <a:spcBef>
+                <a:spcPct val="20000"/>
+              </a:spcBef>
+              <a:spcAft>
+                <a:spcPct val="0"/>
+              </a:spcAft>
+              <a:buChar char="•"/>
+              <a:defRPr>
+                <a:solidFill>
+                  <a:schemeClr val="tx1"/>
+                </a:solidFill>
+                <a:latin typeface="+mn-lt"/>
+              </a:defRPr>
+            </a:lvl3pPr>
+            <a:lvl4pPr marL="1600200" indent="-228600" algn="l" rtl="0" eaLnBrk="1" fontAlgn="base" hangingPunct="1">
+              <a:spcBef>
+                <a:spcPct val="20000"/>
+              </a:spcBef>
+              <a:spcAft>
+                <a:spcPct val="0"/>
+              </a:spcAft>
+              <a:buChar char="–"/>
+              <a:defRPr sz="1600">
+                <a:solidFill>
+                  <a:schemeClr val="tx1"/>
+                </a:solidFill>
+                <a:latin typeface="+mn-lt"/>
+              </a:defRPr>
+            </a:lvl4pPr>
+            <a:lvl5pPr marL="2057400" indent="-228600" algn="l" rtl="0" eaLnBrk="1" fontAlgn="base" hangingPunct="1">
+              <a:spcBef>
+                <a:spcPct val="20000"/>
+              </a:spcBef>
+              <a:spcAft>
+                <a:spcPct val="0"/>
+              </a:spcAft>
+              <a:buChar char="»"/>
+              <a:defRPr sz="1600">
+                <a:solidFill>
+                  <a:schemeClr val="tx1"/>
+                </a:solidFill>
+                <a:latin typeface="+mn-lt"/>
+              </a:defRPr>
+            </a:lvl5pPr>
+            <a:lvl6pPr marL="2514600" indent="-228600" algn="l" rtl="0" eaLnBrk="1" fontAlgn="base" hangingPunct="1">
+              <a:spcBef>
+                <a:spcPct val="20000"/>
+              </a:spcBef>
+              <a:spcAft>
+                <a:spcPct val="0"/>
+              </a:spcAft>
+              <a:buChar char="»"/>
+              <a:defRPr sz="1600">
+                <a:solidFill>
+                  <a:schemeClr val="tx1"/>
+                </a:solidFill>
+                <a:latin typeface="+mn-lt"/>
+              </a:defRPr>
+            </a:lvl6pPr>
+            <a:lvl7pPr marL="2971800" indent="-228600" algn="l" rtl="0" eaLnBrk="1" fontAlgn="base" hangingPunct="1">
+              <a:spcBef>
+                <a:spcPct val="20000"/>
+              </a:spcBef>
+              <a:spcAft>
+                <a:spcPct val="0"/>
+              </a:spcAft>
+              <a:buChar char="»"/>
+              <a:defRPr sz="1600">
+                <a:solidFill>
+                  <a:schemeClr val="tx1"/>
+                </a:solidFill>
+                <a:latin typeface="+mn-lt"/>
+              </a:defRPr>
+            </a:lvl7pPr>
+            <a:lvl8pPr marL="3429000" indent="-228600" algn="l" rtl="0" eaLnBrk="1" fontAlgn="base" hangingPunct="1">
+              <a:spcBef>
+                <a:spcPct val="20000"/>
+              </a:spcBef>
+              <a:spcAft>
+                <a:spcPct val="0"/>
+              </a:spcAft>
+              <a:buChar char="»"/>
+              <a:defRPr sz="1600">
+                <a:solidFill>
+                  <a:schemeClr val="tx1"/>
+                </a:solidFill>
+                <a:latin typeface="+mn-lt"/>
+              </a:defRPr>
+            </a:lvl8pPr>
+            <a:lvl9pPr marL="3886200" indent="-228600" algn="l" rtl="0" eaLnBrk="1" fontAlgn="base" hangingPunct="1">
+              <a:spcBef>
+                <a:spcPct val="20000"/>
+              </a:spcBef>
+              <a:spcAft>
+                <a:spcPct val="0"/>
+              </a:spcAft>
+              <a:buChar char="»"/>
+              <a:defRPr sz="1600">
+                <a:solidFill>
+                  <a:schemeClr val="tx1"/>
+                </a:solidFill>
+                <a:latin typeface="+mn-lt"/>
+              </a:defRPr>
+            </a:lvl9pPr>
+          </a:lstStyle>
           <a:p>
             <a:pPr marL="0" indent="0" algn="ctr">
+              <a:buFontTx/>
               <a:buNone/>
             </a:pPr>
             <a:r>
-              <a:rPr lang="en-US" u="sng" dirty="0" smtClean="0">
+              <a:rPr lang="en-US" u="sng" kern="0" dirty="0" smtClean="0">
                 <a:solidFill>
                   <a:srgbClr val="0070C0"/>
                 </a:solidFill>
+                <a:hlinkClick r:id="rId5"/>
               </a:rPr>
-              <a:t>http://</a:t>
-            </a:r>
-            <a:r>
-              <a:rPr lang="en-US" u="sng" dirty="0">
-                <a:solidFill>
-                  <a:srgbClr val="0070C0"/>
-                </a:solidFill>
-              </a:rPr>
-              <a:t>github.com/Filkolev/BANANA-YELLOW</a:t>
-            </a:r>
-            <a:endParaRPr lang="bg-BG" u="sng" dirty="0">
+              <a:t>http://github.com/Filkolev/BANANA-YELLOW/Hangman</a:t>
+            </a:r>
+            <a:endParaRPr lang="bg-BG" u="sng" kern="0" dirty="0">
               <a:solidFill>
                 <a:srgbClr val="0070C0"/>
               </a:solidFill>
@@ -6195,11 +6493,6 @@
         </p:txBody>
       </p:sp>
     </p:spTree>
-    <p:extLst>
-      <p:ext uri="{BB962C8B-B14F-4D97-AF65-F5344CB8AC3E}">
-        <p14:creationId xmlns:p14="http://schemas.microsoft.com/office/powerpoint/2010/main" val="4006572464"/>
-      </p:ext>
-    </p:extLst>
   </p:cSld>
   <p:clrMapOvr>
     <a:masterClrMapping/>

--- a/BANANA_YELLOW_HANGMAN.pptx
+++ b/BANANA_YELLOW_HANGMAN.pptx
@@ -7,7 +7,9 @@
   <p:sldIdLst>
     <p:sldId id="260" r:id="rId3"/>
     <p:sldId id="257" r:id="rId4"/>
-    <p:sldId id="258" r:id="rId5"/>
+    <p:sldId id="261" r:id="rId5"/>
+    <p:sldId id="262" r:id="rId6"/>
+    <p:sldId id="258" r:id="rId7"/>
   </p:sldIdLst>
   <p:sldSz cx="9144000" cy="6858000" type="screen4x3"/>
   <p:notesSz cx="6858000" cy="9144000"/>
@@ -5900,6 +5902,581 @@
 <file path=ppt/slides/slide3.xml><?xml version="1.0" encoding="utf-8"?>
 <p:sld xmlns:a="http://schemas.openxmlformats.org/drawingml/2006/main" xmlns:r="http://schemas.openxmlformats.org/officeDocument/2006/relationships" xmlns:p="http://schemas.openxmlformats.org/presentationml/2006/main">
   <p:cSld>
+    <p:spTree>
+      <p:nvGrpSpPr>
+        <p:cNvPr id="1" name=""/>
+        <p:cNvGrpSpPr/>
+        <p:nvPr/>
+      </p:nvGrpSpPr>
+      <p:grpSpPr>
+        <a:xfrm>
+          <a:off x="0" y="0"/>
+          <a:ext cx="0" cy="0"/>
+          <a:chOff x="0" y="0"/>
+          <a:chExt cx="0" cy="0"/>
+        </a:xfrm>
+      </p:grpSpPr>
+      <p:sp>
+        <p:nvSpPr>
+          <p:cNvPr id="23554" name="Rectangle 2"/>
+          <p:cNvSpPr>
+            <a:spLocks noGrp="1" noChangeArrowheads="1"/>
+          </p:cNvSpPr>
+          <p:nvPr>
+            <p:ph type="title"/>
+          </p:nvPr>
+        </p:nvSpPr>
+        <p:spPr>
+          <a:xfrm>
+            <a:off x="395536" y="227589"/>
+            <a:ext cx="6324600" cy="914400"/>
+          </a:xfrm>
+        </p:spPr>
+        <p:txBody>
+          <a:bodyPr/>
+          <a:lstStyle/>
+          <a:p>
+            <a:pPr algn="ctr"/>
+            <a:r>
+              <a:rPr lang="en-US" sz="3600" dirty="0" smtClean="0"/>
+              <a:t>3 CATEGORIES</a:t>
+            </a:r>
+            <a:endParaRPr lang="en-US" sz="3600" dirty="0"/>
+          </a:p>
+        </p:txBody>
+      </p:sp>
+      <p:sp>
+        <p:nvSpPr>
+          <p:cNvPr id="8" name="Content Placeholder 7"/>
+          <p:cNvSpPr>
+            <a:spLocks noGrp="1"/>
+          </p:cNvSpPr>
+          <p:nvPr>
+            <p:ph idx="1"/>
+          </p:nvPr>
+        </p:nvSpPr>
+        <p:spPr>
+          <a:xfrm>
+            <a:off x="1043608" y="1340768"/>
+            <a:ext cx="6336704" cy="4755232"/>
+          </a:xfrm>
+        </p:spPr>
+        <p:txBody>
+          <a:bodyPr/>
+          <a:lstStyle/>
+          <a:p>
+            <a:pPr marL="457200" indent="-457200">
+              <a:buAutoNum type="arabicPeriod"/>
+            </a:pPr>
+            <a:r>
+              <a:rPr lang="en-US" sz="3200" dirty="0" smtClean="0"/>
+              <a:t>Category </a:t>
+            </a:r>
+            <a:r>
+              <a:rPr lang="en-US" sz="3200" dirty="0" smtClean="0">
+                <a:solidFill>
+                  <a:srgbClr val="FF0000"/>
+                </a:solidFill>
+              </a:rPr>
+              <a:t>“ANIMALS”</a:t>
+            </a:r>
+          </a:p>
+          <a:p>
+            <a:pPr marL="0" indent="0">
+              <a:buNone/>
+            </a:pPr>
+            <a:r>
+              <a:rPr lang="en-US" sz="3200" dirty="0" smtClean="0">
+                <a:solidFill>
+                  <a:srgbClr val="FF0000"/>
+                </a:solidFill>
+              </a:rPr>
+              <a:t> </a:t>
+            </a:r>
+            <a:r>
+              <a:rPr lang="en-US" sz="3200" dirty="0" smtClean="0"/>
+              <a:t>– more than 50 words.</a:t>
+            </a:r>
+          </a:p>
+          <a:p>
+            <a:pPr marL="0" indent="0">
+              <a:buNone/>
+            </a:pPr>
+            <a:r>
+              <a:rPr lang="en-US" sz="3200" dirty="0" smtClean="0"/>
+              <a:t>2. Category </a:t>
+            </a:r>
+            <a:r>
+              <a:rPr lang="en-US" sz="3200" dirty="0" smtClean="0">
+                <a:solidFill>
+                  <a:srgbClr val="FF0000"/>
+                </a:solidFill>
+              </a:rPr>
+              <a:t>“CAPITALS” </a:t>
+            </a:r>
+          </a:p>
+          <a:p>
+            <a:pPr marL="0" indent="0">
+              <a:buNone/>
+            </a:pPr>
+            <a:r>
+              <a:rPr lang="en-US" sz="3200" dirty="0" smtClean="0"/>
+              <a:t>– more than 30 words.</a:t>
+            </a:r>
+          </a:p>
+          <a:p>
+            <a:pPr marL="0" indent="0">
+              <a:buNone/>
+            </a:pPr>
+            <a:r>
+              <a:rPr lang="en-US" sz="3200" dirty="0" smtClean="0"/>
+              <a:t>3. Category </a:t>
+            </a:r>
+            <a:r>
+              <a:rPr lang="en-US" sz="3200" dirty="0" smtClean="0">
+                <a:solidFill>
+                  <a:srgbClr val="FF0000"/>
+                </a:solidFill>
+              </a:rPr>
+              <a:t>“FRUITS AND VEGETABLES” </a:t>
+            </a:r>
+          </a:p>
+          <a:p>
+            <a:pPr marL="0" indent="0">
+              <a:buNone/>
+            </a:pPr>
+            <a:r>
+              <a:rPr lang="en-US" sz="3200" dirty="0" smtClean="0"/>
+              <a:t>– more than 20</a:t>
+            </a:r>
+            <a:r>
+              <a:rPr lang="en-US" sz="3200" dirty="0"/>
+              <a:t> </a:t>
+            </a:r>
+            <a:r>
+              <a:rPr lang="en-US" sz="3200" dirty="0" smtClean="0"/>
+              <a:t>words.</a:t>
+            </a:r>
+          </a:p>
+        </p:txBody>
+      </p:sp>
+      <p:pic>
+        <p:nvPicPr>
+          <p:cNvPr id="6" name="Picture 5"/>
+          <p:cNvPicPr>
+            <a:picLocks noChangeAspect="1"/>
+          </p:cNvPicPr>
+          <p:nvPr/>
+        </p:nvPicPr>
+        <p:blipFill>
+          <a:blip r:embed="rId2" cstate="print">
+            <a:extLst>
+              <a:ext uri="{28A0092B-C50C-407E-A947-70E740481C1C}">
+                <a14:useLocalDpi xmlns:a14="http://schemas.microsoft.com/office/drawing/2010/main" val="0"/>
+              </a:ext>
+            </a:extLst>
+          </a:blip>
+          <a:stretch>
+            <a:fillRect/>
+          </a:stretch>
+        </p:blipFill>
+        <p:spPr>
+          <a:xfrm>
+            <a:off x="8150520" y="0"/>
+            <a:ext cx="671029" cy="671029"/>
+          </a:xfrm>
+          <a:prstGeom prst="rect">
+            <a:avLst/>
+          </a:prstGeom>
+        </p:spPr>
+      </p:pic>
+      <p:sp>
+        <p:nvSpPr>
+          <p:cNvPr id="7" name="TextBox 6"/>
+          <p:cNvSpPr txBox="1"/>
+          <p:nvPr/>
+        </p:nvSpPr>
+        <p:spPr>
+          <a:xfrm>
+            <a:off x="7668342" y="38458"/>
+            <a:ext cx="1635383" cy="646331"/>
+          </a:xfrm>
+          <a:prstGeom prst="rect">
+            <a:avLst/>
+          </a:prstGeom>
+          <a:noFill/>
+        </p:spPr>
+        <p:txBody>
+          <a:bodyPr wrap="none" rtlCol="0">
+            <a:prstTxWarp prst="textArchDown">
+              <a:avLst/>
+            </a:prstTxWarp>
+            <a:spAutoFit/>
+          </a:bodyPr>
+          <a:lstStyle/>
+          <a:p>
+            <a:pPr algn="ctr"/>
+            <a:r>
+              <a:rPr lang="en-US" sz="1200" dirty="0" smtClean="0">
+                <a:effectLst>
+                  <a:outerShdw blurRad="38100" dist="38100" dir="2700000" algn="tl">
+                    <a:srgbClr val="000000">
+                      <a:alpha val="43137"/>
+                    </a:srgbClr>
+                  </a:outerShdw>
+                </a:effectLst>
+              </a:rPr>
+              <a:t>Copyright 2014 </a:t>
+            </a:r>
+          </a:p>
+          <a:p>
+            <a:pPr algn="ctr"/>
+            <a:r>
+              <a:rPr lang="en-US" sz="1200" dirty="0" smtClean="0">
+                <a:effectLst>
+                  <a:outerShdw blurRad="38100" dist="38100" dir="2700000" algn="tl">
+                    <a:srgbClr val="000000">
+                      <a:alpha val="43137"/>
+                    </a:srgbClr>
+                  </a:outerShdw>
+                </a:effectLst>
+              </a:rPr>
+              <a:t>“BANANA YELLOW” </a:t>
+            </a:r>
+          </a:p>
+          <a:p>
+            <a:pPr algn="ctr"/>
+            <a:r>
+              <a:rPr lang="en-US" sz="1200" dirty="0" smtClean="0">
+                <a:effectLst>
+                  <a:outerShdw blurRad="38100" dist="38100" dir="2700000" algn="tl">
+                    <a:srgbClr val="000000">
+                      <a:alpha val="43137"/>
+                    </a:srgbClr>
+                  </a:outerShdw>
+                </a:effectLst>
+              </a:rPr>
+              <a:t>TEAM</a:t>
+            </a:r>
+            <a:endParaRPr lang="bg-BG" sz="1200" dirty="0">
+              <a:effectLst>
+                <a:outerShdw blurRad="38100" dist="38100" dir="2700000" algn="tl">
+                  <a:srgbClr val="000000">
+                    <a:alpha val="43137"/>
+                  </a:srgbClr>
+                </a:outerShdw>
+              </a:effectLst>
+            </a:endParaRPr>
+          </a:p>
+        </p:txBody>
+      </p:sp>
+    </p:spTree>
+    <p:extLst>
+      <p:ext uri="{BB962C8B-B14F-4D97-AF65-F5344CB8AC3E}">
+        <p14:creationId xmlns:p14="http://schemas.microsoft.com/office/powerpoint/2010/main" val="2255378156"/>
+      </p:ext>
+    </p:extLst>
+  </p:cSld>
+  <p:clrMapOvr>
+    <a:masterClrMapping/>
+  </p:clrMapOvr>
+  <p:transition spd="slow">
+    <p:cover/>
+  </p:transition>
+  <p:timing>
+    <p:tnLst>
+      <p:par>
+        <p:cTn id="1" dur="indefinite" restart="never" nodeType="tmRoot"/>
+      </p:par>
+    </p:tnLst>
+  </p:timing>
+</p:sld>
+</file>
+
+<file path=ppt/slides/slide4.xml><?xml version="1.0" encoding="utf-8"?>
+<p:sld xmlns:a="http://schemas.openxmlformats.org/drawingml/2006/main" xmlns:r="http://schemas.openxmlformats.org/officeDocument/2006/relationships" xmlns:p="http://schemas.openxmlformats.org/presentationml/2006/main">
+  <p:cSld>
+    <p:spTree>
+      <p:nvGrpSpPr>
+        <p:cNvPr id="1" name=""/>
+        <p:cNvGrpSpPr/>
+        <p:nvPr/>
+      </p:nvGrpSpPr>
+      <p:grpSpPr>
+        <a:xfrm>
+          <a:off x="0" y="0"/>
+          <a:ext cx="0" cy="0"/>
+          <a:chOff x="0" y="0"/>
+          <a:chExt cx="0" cy="0"/>
+        </a:xfrm>
+      </p:grpSpPr>
+      <p:sp>
+        <p:nvSpPr>
+          <p:cNvPr id="2" name="Title 1"/>
+          <p:cNvSpPr>
+            <a:spLocks noGrp="1"/>
+          </p:cNvSpPr>
+          <p:nvPr>
+            <p:ph type="title"/>
+          </p:nvPr>
+        </p:nvSpPr>
+        <p:spPr>
+          <a:xfrm>
+            <a:off x="395536" y="332656"/>
+            <a:ext cx="6324600" cy="914400"/>
+          </a:xfrm>
+        </p:spPr>
+        <p:txBody>
+          <a:bodyPr/>
+          <a:lstStyle/>
+          <a:p>
+            <a:pPr algn="ctr"/>
+            <a:r>
+              <a:rPr lang="en-US" sz="3600" dirty="0" smtClean="0"/>
+              <a:t>STATISTICS</a:t>
+            </a:r>
+            <a:endParaRPr lang="bg-BG" sz="3600" dirty="0"/>
+          </a:p>
+        </p:txBody>
+      </p:sp>
+      <p:sp>
+        <p:nvSpPr>
+          <p:cNvPr id="3" name="Content Placeholder 2"/>
+          <p:cNvSpPr>
+            <a:spLocks noGrp="1"/>
+          </p:cNvSpPr>
+          <p:nvPr>
+            <p:ph idx="1"/>
+          </p:nvPr>
+        </p:nvSpPr>
+        <p:spPr>
+          <a:xfrm>
+            <a:off x="539552" y="1700808"/>
+            <a:ext cx="6336704" cy="4683224"/>
+          </a:xfrm>
+        </p:spPr>
+        <p:txBody>
+          <a:bodyPr/>
+          <a:lstStyle/>
+          <a:p>
+            <a:pPr marL="0" indent="0" algn="ctr">
+              <a:buNone/>
+            </a:pPr>
+            <a:r>
+              <a:rPr lang="en-US" sz="3200" dirty="0" smtClean="0"/>
+              <a:t>Work Time </a:t>
+            </a:r>
+            <a:r>
+              <a:rPr lang="bg-BG" sz="3200" dirty="0" smtClean="0"/>
+              <a:t>≈</a:t>
+            </a:r>
+            <a:r>
+              <a:rPr lang="en-US" sz="3200" dirty="0" smtClean="0"/>
+              <a:t> 20 h / member.</a:t>
+            </a:r>
+          </a:p>
+          <a:p>
+            <a:pPr marL="0" indent="0" algn="ctr">
+              <a:buNone/>
+            </a:pPr>
+            <a:r>
+              <a:rPr lang="en-US" sz="3200" dirty="0" smtClean="0"/>
+              <a:t>Start Date – 12.09.2014</a:t>
+            </a:r>
+          </a:p>
+          <a:p>
+            <a:pPr marL="0" indent="0" algn="ctr">
+              <a:buNone/>
+            </a:pPr>
+            <a:r>
+              <a:rPr lang="en-US" sz="3200" dirty="0" smtClean="0"/>
+              <a:t>End Date – 16.09.2014</a:t>
+            </a:r>
+          </a:p>
+          <a:p>
+            <a:pPr marL="0" indent="0" algn="ctr">
+              <a:buNone/>
+            </a:pPr>
+            <a:r>
+              <a:rPr lang="en-US" sz="3200" dirty="0" smtClean="0"/>
+              <a:t>More </a:t>
+            </a:r>
+            <a:r>
+              <a:rPr lang="en-US" sz="3200" dirty="0"/>
+              <a:t>than </a:t>
+            </a:r>
+            <a:r>
+              <a:rPr lang="en-US" sz="3200" dirty="0">
+                <a:solidFill>
+                  <a:srgbClr val="FF0000"/>
+                </a:solidFill>
+                <a:effectLst>
+                  <a:outerShdw blurRad="38100" dist="38100" dir="2700000" algn="tl">
+                    <a:srgbClr val="000000">
+                      <a:alpha val="43137"/>
+                    </a:srgbClr>
+                  </a:outerShdw>
+                </a:effectLst>
+              </a:rPr>
+              <a:t>500</a:t>
+            </a:r>
+            <a:r>
+              <a:rPr lang="en-US" sz="3200" dirty="0"/>
+              <a:t> lines of code</a:t>
+            </a:r>
+            <a:r>
+              <a:rPr lang="en-US" sz="3200" dirty="0" smtClean="0"/>
+              <a:t>.</a:t>
+            </a:r>
+          </a:p>
+          <a:p>
+            <a:pPr marL="0" indent="0" algn="ctr">
+              <a:buNone/>
+            </a:pPr>
+            <a:r>
+              <a:rPr lang="en-US" sz="3200" dirty="0" smtClean="0"/>
+              <a:t>80% of the time – DEBUGGING!</a:t>
+            </a:r>
+            <a:endParaRPr lang="en-US" sz="3200" dirty="0"/>
+          </a:p>
+        </p:txBody>
+      </p:sp>
+      <p:sp>
+        <p:nvSpPr>
+          <p:cNvPr id="4" name="TextBox 3"/>
+          <p:cNvSpPr txBox="1"/>
+          <p:nvPr/>
+        </p:nvSpPr>
+        <p:spPr>
+          <a:xfrm>
+            <a:off x="7668342" y="38458"/>
+            <a:ext cx="1635383" cy="646331"/>
+          </a:xfrm>
+          <a:prstGeom prst="rect">
+            <a:avLst/>
+          </a:prstGeom>
+          <a:noFill/>
+        </p:spPr>
+        <p:txBody>
+          <a:bodyPr wrap="none" rtlCol="0">
+            <a:prstTxWarp prst="textArchDown">
+              <a:avLst/>
+            </a:prstTxWarp>
+            <a:spAutoFit/>
+          </a:bodyPr>
+          <a:lstStyle/>
+          <a:p>
+            <a:pPr algn="ctr"/>
+            <a:r>
+              <a:rPr lang="en-US" sz="1200" dirty="0" smtClean="0">
+                <a:effectLst>
+                  <a:outerShdw blurRad="38100" dist="38100" dir="2700000" algn="tl">
+                    <a:srgbClr val="000000">
+                      <a:alpha val="43137"/>
+                    </a:srgbClr>
+                  </a:outerShdw>
+                </a:effectLst>
+              </a:rPr>
+              <a:t>Copyright 2014 </a:t>
+            </a:r>
+          </a:p>
+          <a:p>
+            <a:pPr algn="ctr"/>
+            <a:r>
+              <a:rPr lang="en-US" sz="1200" dirty="0" smtClean="0">
+                <a:effectLst>
+                  <a:outerShdw blurRad="38100" dist="38100" dir="2700000" algn="tl">
+                    <a:srgbClr val="000000">
+                      <a:alpha val="43137"/>
+                    </a:srgbClr>
+                  </a:outerShdw>
+                </a:effectLst>
+              </a:rPr>
+              <a:t>“BANANA YELLOW” </a:t>
+            </a:r>
+          </a:p>
+          <a:p>
+            <a:pPr algn="ctr"/>
+            <a:r>
+              <a:rPr lang="en-US" sz="1200" dirty="0" smtClean="0">
+                <a:effectLst>
+                  <a:outerShdw blurRad="38100" dist="38100" dir="2700000" algn="tl">
+                    <a:srgbClr val="000000">
+                      <a:alpha val="43137"/>
+                    </a:srgbClr>
+                  </a:outerShdw>
+                </a:effectLst>
+              </a:rPr>
+              <a:t>TEAM</a:t>
+            </a:r>
+            <a:endParaRPr lang="bg-BG" sz="1200" dirty="0">
+              <a:effectLst>
+                <a:outerShdw blurRad="38100" dist="38100" dir="2700000" algn="tl">
+                  <a:srgbClr val="000000">
+                    <a:alpha val="43137"/>
+                  </a:srgbClr>
+                </a:outerShdw>
+              </a:effectLst>
+            </a:endParaRPr>
+          </a:p>
+        </p:txBody>
+      </p:sp>
+      <p:pic>
+        <p:nvPicPr>
+          <p:cNvPr id="6" name="Picture 5"/>
+          <p:cNvPicPr>
+            <a:picLocks noChangeAspect="1"/>
+          </p:cNvPicPr>
+          <p:nvPr/>
+        </p:nvPicPr>
+        <p:blipFill>
+          <a:blip r:embed="rId2" cstate="print">
+            <a:extLst>
+              <a:ext uri="{28A0092B-C50C-407E-A947-70E740481C1C}">
+                <a14:useLocalDpi xmlns:a14="http://schemas.microsoft.com/office/drawing/2010/main" val="0"/>
+              </a:ext>
+            </a:extLst>
+          </a:blip>
+          <a:stretch>
+            <a:fillRect/>
+          </a:stretch>
+        </p:blipFill>
+        <p:spPr>
+          <a:xfrm>
+            <a:off x="8150520" y="0"/>
+            <a:ext cx="671029" cy="671029"/>
+          </a:xfrm>
+          <a:prstGeom prst="rect">
+            <a:avLst/>
+          </a:prstGeom>
+        </p:spPr>
+      </p:pic>
+    </p:spTree>
+    <p:extLst>
+      <p:ext uri="{BB962C8B-B14F-4D97-AF65-F5344CB8AC3E}">
+        <p14:creationId xmlns:p14="http://schemas.microsoft.com/office/powerpoint/2010/main" val="2418282581"/>
+      </p:ext>
+    </p:extLst>
+  </p:cSld>
+  <p:clrMapOvr>
+    <a:masterClrMapping/>
+  </p:clrMapOvr>
+  <p:transition spd="slow">
+    <p:cover/>
+  </p:transition>
+  <p:timing>
+    <p:tnLst>
+      <p:par>
+        <p:cTn id="1" dur="indefinite" restart="never" nodeType="tmRoot"/>
+      </p:par>
+    </p:tnLst>
+  </p:timing>
+</p:sld>
+</file>
+
+<file path=ppt/slides/slide5.xml><?xml version="1.0" encoding="utf-8"?>
+<p:sld xmlns:a="http://schemas.openxmlformats.org/drawingml/2006/main" xmlns:r="http://schemas.openxmlformats.org/officeDocument/2006/relationships" xmlns:p="http://schemas.openxmlformats.org/presentationml/2006/main">
+  <p:cSld>
     <p:bg>
       <p:bgPr>
         <a:blipFill dpi="0" rotWithShape="0">
@@ -5936,17 +6513,22 @@
             <p:ph type="title"/>
           </p:nvPr>
         </p:nvSpPr>
-        <p:spPr/>
+        <p:spPr>
+          <a:xfrm>
+            <a:off x="439294" y="368489"/>
+            <a:ext cx="6324600" cy="914400"/>
+          </a:xfrm>
+        </p:spPr>
         <p:txBody>
           <a:bodyPr/>
           <a:lstStyle/>
           <a:p>
             <a:pPr algn="ctr"/>
             <a:r>
-              <a:rPr lang="en-US" dirty="0" smtClean="0"/>
+              <a:rPr lang="en-US" sz="3600" dirty="0" smtClean="0"/>
               <a:t>SOURCE CODE</a:t>
             </a:r>
-            <a:endParaRPr lang="en-US" dirty="0"/>
+            <a:endParaRPr lang="en-US" sz="3600" dirty="0"/>
           </a:p>
         </p:txBody>
       </p:sp>
@@ -5962,7 +6544,7 @@
         </p:nvSpPr>
         <p:spPr>
           <a:xfrm>
-            <a:off x="611560" y="1676400"/>
+            <a:off x="516474" y="1277442"/>
             <a:ext cx="6170240" cy="2256656"/>
           </a:xfrm>
         </p:spPr>
@@ -5983,11 +6565,7 @@
             </a:r>
             <a:r>
               <a:rPr lang="en-US" dirty="0" smtClean="0"/>
-              <a:t>explanations </a:t>
-            </a:r>
-            <a:r>
-              <a:rPr lang="en-US" dirty="0" smtClean="0"/>
-              <a:t>in</a:t>
+              <a:t>explanations in</a:t>
             </a:r>
             <a:r>
               <a:rPr lang="bg-BG" dirty="0" smtClean="0"/>
@@ -6003,19 +6581,100 @@
               <a:buNone/>
             </a:pPr>
             <a:r>
-              <a:rPr lang="en-US" dirty="0"/>
+              <a:rPr lang="en-US" dirty="0" smtClean="0"/>
               <a:t/>
             </a:r>
             <a:br>
-              <a:rPr lang="en-US" dirty="0"/>
+              <a:rPr lang="en-US" dirty="0" smtClean="0"/>
             </a:br>
             <a:r>
-              <a:rPr lang="en-US" dirty="0">
+              <a:rPr lang="en-US" u="sng" dirty="0">
+                <a:solidFill>
+                  <a:srgbClr val="92D050"/>
+                </a:solidFill>
+                <a:effectLst>
+                  <a:outerShdw blurRad="38100" dist="38100" dir="2700000" algn="tl">
+                    <a:srgbClr val="000000">
+                      <a:alpha val="43137"/>
+                    </a:srgbClr>
+                  </a:outerShdw>
+                </a:effectLst>
                 <a:hlinkClick r:id="rId3"/>
               </a:rPr>
-              <a:t>http://webvisuality.com/hangman-by-banana-yellow/</a:t>
+              <a:t>http://</a:t>
+            </a:r>
+            <a:r>
+              <a:rPr lang="en-US" u="sng" dirty="0" smtClean="0">
+                <a:solidFill>
+                  <a:srgbClr val="92D050"/>
+                </a:solidFill>
+                <a:effectLst>
+                  <a:outerShdw blurRad="38100" dist="38100" dir="2700000" algn="tl">
+                    <a:srgbClr val="000000">
+                      <a:alpha val="43137"/>
+                    </a:srgbClr>
+                  </a:outerShdw>
+                </a:effectLst>
+                <a:hlinkClick r:id="rId3"/>
+              </a:rPr>
+              <a:t>webvisuality.com/hangman-by-banana-yellow</a:t>
+            </a:r>
+            <a:endParaRPr lang="en-US" u="sng" dirty="0" smtClean="0">
+              <a:solidFill>
+                <a:srgbClr val="92D050"/>
+              </a:solidFill>
+              <a:effectLst>
+                <a:outerShdw blurRad="38100" dist="38100" dir="2700000" algn="tl">
+                  <a:srgbClr val="000000">
+                    <a:alpha val="43137"/>
+                  </a:srgbClr>
+                </a:outerShdw>
+              </a:effectLst>
+            </a:endParaRPr>
+          </a:p>
+          <a:p>
+            <a:pPr marL="0" indent="0" algn="ctr">
+              <a:buNone/>
+            </a:pPr>
+            <a:endParaRPr lang="en-US" u="sng" dirty="0">
+              <a:solidFill>
+                <a:srgbClr val="92D050"/>
+              </a:solidFill>
+              <a:effectLst>
+                <a:outerShdw blurRad="38100" dist="38100" dir="2700000" algn="tl">
+                  <a:srgbClr val="000000">
+                    <a:alpha val="43137"/>
+                  </a:srgbClr>
+                </a:outerShdw>
+              </a:effectLst>
+            </a:endParaRPr>
+          </a:p>
+          <a:p>
+            <a:pPr marL="0" indent="0" algn="ctr">
+              <a:buNone/>
+            </a:pPr>
+            <a:r>
+              <a:rPr lang="en-US" dirty="0" smtClean="0"/>
+              <a:t>We are open for feedback and comments.</a:t>
             </a:r>
             <a:endParaRPr lang="en-US" dirty="0"/>
+          </a:p>
+          <a:p>
+            <a:pPr marL="0" indent="0" algn="ctr">
+              <a:buNone/>
+            </a:pPr>
+            <a:endParaRPr lang="en-US" u="sng" dirty="0">
+              <a:solidFill>
+                <a:srgbClr val="92D050"/>
+              </a:solidFill>
+              <a:effectLst>
+                <a:outerShdw blurRad="38100" dist="38100" dir="2700000" algn="tl">
+                  <a:srgbClr val="000000">
+                    <a:alpha val="43137"/>
+                  </a:srgbClr>
+                </a:outerShdw>
+              </a:effectLst>
+            </a:endParaRPr>
           </a:p>
         </p:txBody>
       </p:sp>
@@ -6057,7 +6716,7 @@
         </p:nvSpPr>
         <p:spPr>
           <a:xfrm>
-            <a:off x="7668342" y="38458"/>
+            <a:off x="7668342" y="45323"/>
             <a:ext cx="1635383" cy="646331"/>
           </a:xfrm>
           <a:prstGeom prst="rect">
@@ -6139,7 +6798,7 @@
         </p:nvSpPr>
         <p:spPr bwMode="auto">
           <a:xfrm>
-            <a:off x="346162" y="3789040"/>
+            <a:off x="531357" y="4437112"/>
             <a:ext cx="6324600" cy="914400"/>
           </a:xfrm>
           <a:prstGeom prst="rect">
@@ -6293,10 +6952,10 @@
           <a:p>
             <a:pPr algn="ctr"/>
             <a:r>
-              <a:rPr lang="en-US" kern="0" dirty="0" smtClean="0"/>
+              <a:rPr lang="en-US" sz="3600" kern="0" dirty="0" smtClean="0"/>
               <a:t>GitHub Repository</a:t>
             </a:r>
-            <a:endParaRPr lang="bg-BG" kern="0" dirty="0"/>
+            <a:endParaRPr lang="bg-BG" sz="3600" kern="0" dirty="0"/>
           </a:p>
         </p:txBody>
       </p:sp>
@@ -6310,7 +6969,7 @@
         </p:nvSpPr>
         <p:spPr bwMode="auto">
           <a:xfrm>
-            <a:off x="457200" y="4790157"/>
+            <a:off x="572533" y="5217765"/>
             <a:ext cx="6242248" cy="1320552"/>
           </a:xfrm>
           <a:prstGeom prst="rect">
@@ -6480,6 +7139,13 @@
                 <a:solidFill>
                   <a:srgbClr val="0070C0"/>
                 </a:solidFill>
+                <a:effectLst>
+                  <a:outerShdw blurRad="38100" dist="38100" dir="2700000" algn="tl">
+                    <a:srgbClr val="000000">
+                      <a:alpha val="43137"/>
+                    </a:srgbClr>
+                  </a:outerShdw>
+                </a:effectLst>
                 <a:hlinkClick r:id="rId5"/>
               </a:rPr>
               <a:t>http://github.com/Filkolev/BANANA-YELLOW/Hangman</a:t>
@@ -6488,6 +7154,13 @@
               <a:solidFill>
                 <a:srgbClr val="0070C0"/>
               </a:solidFill>
+              <a:effectLst>
+                <a:outerShdw blurRad="38100" dist="38100" dir="2700000" algn="tl">
+                  <a:srgbClr val="000000">
+                    <a:alpha val="43137"/>
+                  </a:srgbClr>
+                </a:outerShdw>
+              </a:effectLst>
             </a:endParaRPr>
           </a:p>
         </p:txBody>

--- a/BANANA_YELLOW_HANGMAN.pptx
+++ b/BANANA_YELLOW_HANGMAN.pptx
@@ -6544,7 +6544,7 @@
         </p:nvSpPr>
         <p:spPr>
           <a:xfrm>
-            <a:off x="516474" y="1277442"/>
+            <a:off x="531357" y="1442455"/>
             <a:ext cx="6170240" cy="2256656"/>
           </a:xfrm>
         </p:spPr>
@@ -6557,7 +6557,15 @@
             </a:pPr>
             <a:r>
               <a:rPr lang="en-US" dirty="0" smtClean="0"/>
-              <a:t>You can see full code with</a:t>
+              <a:t>You can see </a:t>
+            </a:r>
+            <a:r>
+              <a:rPr lang="en-US" dirty="0" smtClean="0"/>
+              <a:t>explanations </a:t>
+            </a:r>
+            <a:r>
+              <a:rPr lang="en-US" dirty="0" smtClean="0"/>
+              <a:t>in</a:t>
             </a:r>
             <a:r>
               <a:rPr lang="bg-BG" dirty="0" smtClean="0"/>
@@ -6565,21 +6573,16 @@
             </a:r>
             <a:r>
               <a:rPr lang="en-US" dirty="0" smtClean="0"/>
-              <a:t>explanations in</a:t>
-            </a:r>
-            <a:r>
-              <a:rPr lang="bg-BG" dirty="0" smtClean="0"/>
-              <a:t> </a:t>
+              <a:t>Bulgarian </a:t>
             </a:r>
             <a:r>
               <a:rPr lang="en-US" dirty="0" smtClean="0"/>
-              <a:t>Bulgarian on:</a:t>
-            </a:r>
-          </a:p>
-          <a:p>
-            <a:pPr marL="0" indent="0" algn="ctr">
-              <a:buNone/>
-            </a:pPr>
+              <a:t>at</a:t>
+            </a:r>
+            <a:r>
+              <a:rPr lang="en-US" dirty="0" smtClean="0"/>
+              <a:t>:</a:t>
+            </a:r>
             <a:r>
               <a:rPr lang="en-US" dirty="0" smtClean="0"/>
               <a:t/>
@@ -6619,23 +6622,6 @@
               </a:rPr>
               <a:t>webvisuality.com/hangman-by-banana-yellow</a:t>
             </a:r>
-            <a:endParaRPr lang="en-US" u="sng" dirty="0" smtClean="0">
-              <a:solidFill>
-                <a:srgbClr val="92D050"/>
-              </a:solidFill>
-              <a:effectLst>
-                <a:outerShdw blurRad="38100" dist="38100" dir="2700000" algn="tl">
-                  <a:srgbClr val="000000">
-                    <a:alpha val="43137"/>
-                  </a:srgbClr>
-                </a:outerShdw>
-              </a:effectLst>
-            </a:endParaRPr>
-          </a:p>
-          <a:p>
-            <a:pPr marL="0" indent="0" algn="ctr">
-              <a:buNone/>
-            </a:pPr>
             <a:endParaRPr lang="en-US" u="sng" dirty="0">
               <a:solidFill>
                 <a:srgbClr val="92D050"/>

--- a/BANANA_YELLOW_HANGMAN.pptx
+++ b/BANANA_YELLOW_HANGMAN.pptx
@@ -7,9 +7,9 @@
   <p:sldIdLst>
     <p:sldId id="260" r:id="rId3"/>
     <p:sldId id="257" r:id="rId4"/>
-    <p:sldId id="261" r:id="rId5"/>
-    <p:sldId id="262" r:id="rId6"/>
-    <p:sldId id="258" r:id="rId7"/>
+    <p:sldId id="258" r:id="rId5"/>
+    <p:sldId id="261" r:id="rId6"/>
+    <p:sldId id="262" r:id="rId7"/>
   </p:sldIdLst>
   <p:sldSz cx="9144000" cy="6858000" type="screen4x3"/>
   <p:notesSz cx="6858000" cy="9144000"/>
@@ -5902,581 +5902,6 @@
 <file path=ppt/slides/slide3.xml><?xml version="1.0" encoding="utf-8"?>
 <p:sld xmlns:a="http://schemas.openxmlformats.org/drawingml/2006/main" xmlns:r="http://schemas.openxmlformats.org/officeDocument/2006/relationships" xmlns:p="http://schemas.openxmlformats.org/presentationml/2006/main">
   <p:cSld>
-    <p:spTree>
-      <p:nvGrpSpPr>
-        <p:cNvPr id="1" name=""/>
-        <p:cNvGrpSpPr/>
-        <p:nvPr/>
-      </p:nvGrpSpPr>
-      <p:grpSpPr>
-        <a:xfrm>
-          <a:off x="0" y="0"/>
-          <a:ext cx="0" cy="0"/>
-          <a:chOff x="0" y="0"/>
-          <a:chExt cx="0" cy="0"/>
-        </a:xfrm>
-      </p:grpSpPr>
-      <p:sp>
-        <p:nvSpPr>
-          <p:cNvPr id="23554" name="Rectangle 2"/>
-          <p:cNvSpPr>
-            <a:spLocks noGrp="1" noChangeArrowheads="1"/>
-          </p:cNvSpPr>
-          <p:nvPr>
-            <p:ph type="title"/>
-          </p:nvPr>
-        </p:nvSpPr>
-        <p:spPr>
-          <a:xfrm>
-            <a:off x="395536" y="227589"/>
-            <a:ext cx="6324600" cy="914400"/>
-          </a:xfrm>
-        </p:spPr>
-        <p:txBody>
-          <a:bodyPr/>
-          <a:lstStyle/>
-          <a:p>
-            <a:pPr algn="ctr"/>
-            <a:r>
-              <a:rPr lang="en-US" sz="3600" dirty="0" smtClean="0"/>
-              <a:t>3 CATEGORIES</a:t>
-            </a:r>
-            <a:endParaRPr lang="en-US" sz="3600" dirty="0"/>
-          </a:p>
-        </p:txBody>
-      </p:sp>
-      <p:sp>
-        <p:nvSpPr>
-          <p:cNvPr id="8" name="Content Placeholder 7"/>
-          <p:cNvSpPr>
-            <a:spLocks noGrp="1"/>
-          </p:cNvSpPr>
-          <p:nvPr>
-            <p:ph idx="1"/>
-          </p:nvPr>
-        </p:nvSpPr>
-        <p:spPr>
-          <a:xfrm>
-            <a:off x="1043608" y="1340768"/>
-            <a:ext cx="6336704" cy="4755232"/>
-          </a:xfrm>
-        </p:spPr>
-        <p:txBody>
-          <a:bodyPr/>
-          <a:lstStyle/>
-          <a:p>
-            <a:pPr marL="457200" indent="-457200">
-              <a:buAutoNum type="arabicPeriod"/>
-            </a:pPr>
-            <a:r>
-              <a:rPr lang="en-US" sz="3200" dirty="0" smtClean="0"/>
-              <a:t>Category </a:t>
-            </a:r>
-            <a:r>
-              <a:rPr lang="en-US" sz="3200" dirty="0" smtClean="0">
-                <a:solidFill>
-                  <a:srgbClr val="FF0000"/>
-                </a:solidFill>
-              </a:rPr>
-              <a:t>“ANIMALS”</a:t>
-            </a:r>
-          </a:p>
-          <a:p>
-            <a:pPr marL="0" indent="0">
-              <a:buNone/>
-            </a:pPr>
-            <a:r>
-              <a:rPr lang="en-US" sz="3200" dirty="0" smtClean="0">
-                <a:solidFill>
-                  <a:srgbClr val="FF0000"/>
-                </a:solidFill>
-              </a:rPr>
-              <a:t> </a:t>
-            </a:r>
-            <a:r>
-              <a:rPr lang="en-US" sz="3200" dirty="0" smtClean="0"/>
-              <a:t>– more than 50 words.</a:t>
-            </a:r>
-          </a:p>
-          <a:p>
-            <a:pPr marL="0" indent="0">
-              <a:buNone/>
-            </a:pPr>
-            <a:r>
-              <a:rPr lang="en-US" sz="3200" dirty="0" smtClean="0"/>
-              <a:t>2. Category </a:t>
-            </a:r>
-            <a:r>
-              <a:rPr lang="en-US" sz="3200" dirty="0" smtClean="0">
-                <a:solidFill>
-                  <a:srgbClr val="FF0000"/>
-                </a:solidFill>
-              </a:rPr>
-              <a:t>“CAPITALS” </a:t>
-            </a:r>
-          </a:p>
-          <a:p>
-            <a:pPr marL="0" indent="0">
-              <a:buNone/>
-            </a:pPr>
-            <a:r>
-              <a:rPr lang="en-US" sz="3200" dirty="0" smtClean="0"/>
-              <a:t>– more than 30 words.</a:t>
-            </a:r>
-          </a:p>
-          <a:p>
-            <a:pPr marL="0" indent="0">
-              <a:buNone/>
-            </a:pPr>
-            <a:r>
-              <a:rPr lang="en-US" sz="3200" dirty="0" smtClean="0"/>
-              <a:t>3. Category </a:t>
-            </a:r>
-            <a:r>
-              <a:rPr lang="en-US" sz="3200" dirty="0" smtClean="0">
-                <a:solidFill>
-                  <a:srgbClr val="FF0000"/>
-                </a:solidFill>
-              </a:rPr>
-              <a:t>“FRUITS AND VEGETABLES” </a:t>
-            </a:r>
-          </a:p>
-          <a:p>
-            <a:pPr marL="0" indent="0">
-              <a:buNone/>
-            </a:pPr>
-            <a:r>
-              <a:rPr lang="en-US" sz="3200" dirty="0" smtClean="0"/>
-              <a:t>– more than 20</a:t>
-            </a:r>
-            <a:r>
-              <a:rPr lang="en-US" sz="3200" dirty="0"/>
-              <a:t> </a:t>
-            </a:r>
-            <a:r>
-              <a:rPr lang="en-US" sz="3200" dirty="0" smtClean="0"/>
-              <a:t>words.</a:t>
-            </a:r>
-          </a:p>
-        </p:txBody>
-      </p:sp>
-      <p:pic>
-        <p:nvPicPr>
-          <p:cNvPr id="6" name="Picture 5"/>
-          <p:cNvPicPr>
-            <a:picLocks noChangeAspect="1"/>
-          </p:cNvPicPr>
-          <p:nvPr/>
-        </p:nvPicPr>
-        <p:blipFill>
-          <a:blip r:embed="rId2" cstate="print">
-            <a:extLst>
-              <a:ext uri="{28A0092B-C50C-407E-A947-70E740481C1C}">
-                <a14:useLocalDpi xmlns:a14="http://schemas.microsoft.com/office/drawing/2010/main" val="0"/>
-              </a:ext>
-            </a:extLst>
-          </a:blip>
-          <a:stretch>
-            <a:fillRect/>
-          </a:stretch>
-        </p:blipFill>
-        <p:spPr>
-          <a:xfrm>
-            <a:off x="8150520" y="0"/>
-            <a:ext cx="671029" cy="671029"/>
-          </a:xfrm>
-          <a:prstGeom prst="rect">
-            <a:avLst/>
-          </a:prstGeom>
-        </p:spPr>
-      </p:pic>
-      <p:sp>
-        <p:nvSpPr>
-          <p:cNvPr id="7" name="TextBox 6"/>
-          <p:cNvSpPr txBox="1"/>
-          <p:nvPr/>
-        </p:nvSpPr>
-        <p:spPr>
-          <a:xfrm>
-            <a:off x="7668342" y="38458"/>
-            <a:ext cx="1635383" cy="646331"/>
-          </a:xfrm>
-          <a:prstGeom prst="rect">
-            <a:avLst/>
-          </a:prstGeom>
-          <a:noFill/>
-        </p:spPr>
-        <p:txBody>
-          <a:bodyPr wrap="none" rtlCol="0">
-            <a:prstTxWarp prst="textArchDown">
-              <a:avLst/>
-            </a:prstTxWarp>
-            <a:spAutoFit/>
-          </a:bodyPr>
-          <a:lstStyle/>
-          <a:p>
-            <a:pPr algn="ctr"/>
-            <a:r>
-              <a:rPr lang="en-US" sz="1200" dirty="0" smtClean="0">
-                <a:effectLst>
-                  <a:outerShdw blurRad="38100" dist="38100" dir="2700000" algn="tl">
-                    <a:srgbClr val="000000">
-                      <a:alpha val="43137"/>
-                    </a:srgbClr>
-                  </a:outerShdw>
-                </a:effectLst>
-              </a:rPr>
-              <a:t>Copyright 2014 </a:t>
-            </a:r>
-          </a:p>
-          <a:p>
-            <a:pPr algn="ctr"/>
-            <a:r>
-              <a:rPr lang="en-US" sz="1200" dirty="0" smtClean="0">
-                <a:effectLst>
-                  <a:outerShdw blurRad="38100" dist="38100" dir="2700000" algn="tl">
-                    <a:srgbClr val="000000">
-                      <a:alpha val="43137"/>
-                    </a:srgbClr>
-                  </a:outerShdw>
-                </a:effectLst>
-              </a:rPr>
-              <a:t>“BANANA YELLOW” </a:t>
-            </a:r>
-          </a:p>
-          <a:p>
-            <a:pPr algn="ctr"/>
-            <a:r>
-              <a:rPr lang="en-US" sz="1200" dirty="0" smtClean="0">
-                <a:effectLst>
-                  <a:outerShdw blurRad="38100" dist="38100" dir="2700000" algn="tl">
-                    <a:srgbClr val="000000">
-                      <a:alpha val="43137"/>
-                    </a:srgbClr>
-                  </a:outerShdw>
-                </a:effectLst>
-              </a:rPr>
-              <a:t>TEAM</a:t>
-            </a:r>
-            <a:endParaRPr lang="bg-BG" sz="1200" dirty="0">
-              <a:effectLst>
-                <a:outerShdw blurRad="38100" dist="38100" dir="2700000" algn="tl">
-                  <a:srgbClr val="000000">
-                    <a:alpha val="43137"/>
-                  </a:srgbClr>
-                </a:outerShdw>
-              </a:effectLst>
-            </a:endParaRPr>
-          </a:p>
-        </p:txBody>
-      </p:sp>
-    </p:spTree>
-    <p:extLst>
-      <p:ext uri="{BB962C8B-B14F-4D97-AF65-F5344CB8AC3E}">
-        <p14:creationId xmlns:p14="http://schemas.microsoft.com/office/powerpoint/2010/main" val="2255378156"/>
-      </p:ext>
-    </p:extLst>
-  </p:cSld>
-  <p:clrMapOvr>
-    <a:masterClrMapping/>
-  </p:clrMapOvr>
-  <p:transition spd="slow">
-    <p:cover/>
-  </p:transition>
-  <p:timing>
-    <p:tnLst>
-      <p:par>
-        <p:cTn id="1" dur="indefinite" restart="never" nodeType="tmRoot"/>
-      </p:par>
-    </p:tnLst>
-  </p:timing>
-</p:sld>
-</file>
-
-<file path=ppt/slides/slide4.xml><?xml version="1.0" encoding="utf-8"?>
-<p:sld xmlns:a="http://schemas.openxmlformats.org/drawingml/2006/main" xmlns:r="http://schemas.openxmlformats.org/officeDocument/2006/relationships" xmlns:p="http://schemas.openxmlformats.org/presentationml/2006/main">
-  <p:cSld>
-    <p:spTree>
-      <p:nvGrpSpPr>
-        <p:cNvPr id="1" name=""/>
-        <p:cNvGrpSpPr/>
-        <p:nvPr/>
-      </p:nvGrpSpPr>
-      <p:grpSpPr>
-        <a:xfrm>
-          <a:off x="0" y="0"/>
-          <a:ext cx="0" cy="0"/>
-          <a:chOff x="0" y="0"/>
-          <a:chExt cx="0" cy="0"/>
-        </a:xfrm>
-      </p:grpSpPr>
-      <p:sp>
-        <p:nvSpPr>
-          <p:cNvPr id="2" name="Title 1"/>
-          <p:cNvSpPr>
-            <a:spLocks noGrp="1"/>
-          </p:cNvSpPr>
-          <p:nvPr>
-            <p:ph type="title"/>
-          </p:nvPr>
-        </p:nvSpPr>
-        <p:spPr>
-          <a:xfrm>
-            <a:off x="395536" y="332656"/>
-            <a:ext cx="6324600" cy="914400"/>
-          </a:xfrm>
-        </p:spPr>
-        <p:txBody>
-          <a:bodyPr/>
-          <a:lstStyle/>
-          <a:p>
-            <a:pPr algn="ctr"/>
-            <a:r>
-              <a:rPr lang="en-US" sz="3600" dirty="0" smtClean="0"/>
-              <a:t>STATISTICS</a:t>
-            </a:r>
-            <a:endParaRPr lang="bg-BG" sz="3600" dirty="0"/>
-          </a:p>
-        </p:txBody>
-      </p:sp>
-      <p:sp>
-        <p:nvSpPr>
-          <p:cNvPr id="3" name="Content Placeholder 2"/>
-          <p:cNvSpPr>
-            <a:spLocks noGrp="1"/>
-          </p:cNvSpPr>
-          <p:nvPr>
-            <p:ph idx="1"/>
-          </p:nvPr>
-        </p:nvSpPr>
-        <p:spPr>
-          <a:xfrm>
-            <a:off x="539552" y="1700808"/>
-            <a:ext cx="6336704" cy="4683224"/>
-          </a:xfrm>
-        </p:spPr>
-        <p:txBody>
-          <a:bodyPr/>
-          <a:lstStyle/>
-          <a:p>
-            <a:pPr marL="0" indent="0" algn="ctr">
-              <a:buNone/>
-            </a:pPr>
-            <a:r>
-              <a:rPr lang="en-US" sz="3200" dirty="0" smtClean="0"/>
-              <a:t>Work Time </a:t>
-            </a:r>
-            <a:r>
-              <a:rPr lang="bg-BG" sz="3200" dirty="0" smtClean="0"/>
-              <a:t>≈</a:t>
-            </a:r>
-            <a:r>
-              <a:rPr lang="en-US" sz="3200" dirty="0" smtClean="0"/>
-              <a:t> 20 h / member.</a:t>
-            </a:r>
-          </a:p>
-          <a:p>
-            <a:pPr marL="0" indent="0" algn="ctr">
-              <a:buNone/>
-            </a:pPr>
-            <a:r>
-              <a:rPr lang="en-US" sz="3200" dirty="0" smtClean="0"/>
-              <a:t>Start Date – 12.09.2014</a:t>
-            </a:r>
-          </a:p>
-          <a:p>
-            <a:pPr marL="0" indent="0" algn="ctr">
-              <a:buNone/>
-            </a:pPr>
-            <a:r>
-              <a:rPr lang="en-US" sz="3200" dirty="0" smtClean="0"/>
-              <a:t>End Date – 16.09.2014</a:t>
-            </a:r>
-          </a:p>
-          <a:p>
-            <a:pPr marL="0" indent="0" algn="ctr">
-              <a:buNone/>
-            </a:pPr>
-            <a:r>
-              <a:rPr lang="en-US" sz="3200" dirty="0" smtClean="0"/>
-              <a:t>More </a:t>
-            </a:r>
-            <a:r>
-              <a:rPr lang="en-US" sz="3200" dirty="0"/>
-              <a:t>than </a:t>
-            </a:r>
-            <a:r>
-              <a:rPr lang="en-US" sz="3200" dirty="0">
-                <a:solidFill>
-                  <a:srgbClr val="FF0000"/>
-                </a:solidFill>
-                <a:effectLst>
-                  <a:outerShdw blurRad="38100" dist="38100" dir="2700000" algn="tl">
-                    <a:srgbClr val="000000">
-                      <a:alpha val="43137"/>
-                    </a:srgbClr>
-                  </a:outerShdw>
-                </a:effectLst>
-              </a:rPr>
-              <a:t>500</a:t>
-            </a:r>
-            <a:r>
-              <a:rPr lang="en-US" sz="3200" dirty="0"/>
-              <a:t> lines of code</a:t>
-            </a:r>
-            <a:r>
-              <a:rPr lang="en-US" sz="3200" dirty="0" smtClean="0"/>
-              <a:t>.</a:t>
-            </a:r>
-          </a:p>
-          <a:p>
-            <a:pPr marL="0" indent="0" algn="ctr">
-              <a:buNone/>
-            </a:pPr>
-            <a:r>
-              <a:rPr lang="en-US" sz="3200" dirty="0" smtClean="0"/>
-              <a:t>80% of the time – DEBUGGING!</a:t>
-            </a:r>
-            <a:endParaRPr lang="en-US" sz="3200" dirty="0"/>
-          </a:p>
-        </p:txBody>
-      </p:sp>
-      <p:sp>
-        <p:nvSpPr>
-          <p:cNvPr id="4" name="TextBox 3"/>
-          <p:cNvSpPr txBox="1"/>
-          <p:nvPr/>
-        </p:nvSpPr>
-        <p:spPr>
-          <a:xfrm>
-            <a:off x="7668342" y="38458"/>
-            <a:ext cx="1635383" cy="646331"/>
-          </a:xfrm>
-          <a:prstGeom prst="rect">
-            <a:avLst/>
-          </a:prstGeom>
-          <a:noFill/>
-        </p:spPr>
-        <p:txBody>
-          <a:bodyPr wrap="none" rtlCol="0">
-            <a:prstTxWarp prst="textArchDown">
-              <a:avLst/>
-            </a:prstTxWarp>
-            <a:spAutoFit/>
-          </a:bodyPr>
-          <a:lstStyle/>
-          <a:p>
-            <a:pPr algn="ctr"/>
-            <a:r>
-              <a:rPr lang="en-US" sz="1200" dirty="0" smtClean="0">
-                <a:effectLst>
-                  <a:outerShdw blurRad="38100" dist="38100" dir="2700000" algn="tl">
-                    <a:srgbClr val="000000">
-                      <a:alpha val="43137"/>
-                    </a:srgbClr>
-                  </a:outerShdw>
-                </a:effectLst>
-              </a:rPr>
-              <a:t>Copyright 2014 </a:t>
-            </a:r>
-          </a:p>
-          <a:p>
-            <a:pPr algn="ctr"/>
-            <a:r>
-              <a:rPr lang="en-US" sz="1200" dirty="0" smtClean="0">
-                <a:effectLst>
-                  <a:outerShdw blurRad="38100" dist="38100" dir="2700000" algn="tl">
-                    <a:srgbClr val="000000">
-                      <a:alpha val="43137"/>
-                    </a:srgbClr>
-                  </a:outerShdw>
-                </a:effectLst>
-              </a:rPr>
-              <a:t>“BANANA YELLOW” </a:t>
-            </a:r>
-          </a:p>
-          <a:p>
-            <a:pPr algn="ctr"/>
-            <a:r>
-              <a:rPr lang="en-US" sz="1200" dirty="0" smtClean="0">
-                <a:effectLst>
-                  <a:outerShdw blurRad="38100" dist="38100" dir="2700000" algn="tl">
-                    <a:srgbClr val="000000">
-                      <a:alpha val="43137"/>
-                    </a:srgbClr>
-                  </a:outerShdw>
-                </a:effectLst>
-              </a:rPr>
-              <a:t>TEAM</a:t>
-            </a:r>
-            <a:endParaRPr lang="bg-BG" sz="1200" dirty="0">
-              <a:effectLst>
-                <a:outerShdw blurRad="38100" dist="38100" dir="2700000" algn="tl">
-                  <a:srgbClr val="000000">
-                    <a:alpha val="43137"/>
-                  </a:srgbClr>
-                </a:outerShdw>
-              </a:effectLst>
-            </a:endParaRPr>
-          </a:p>
-        </p:txBody>
-      </p:sp>
-      <p:pic>
-        <p:nvPicPr>
-          <p:cNvPr id="6" name="Picture 5"/>
-          <p:cNvPicPr>
-            <a:picLocks noChangeAspect="1"/>
-          </p:cNvPicPr>
-          <p:nvPr/>
-        </p:nvPicPr>
-        <p:blipFill>
-          <a:blip r:embed="rId2" cstate="print">
-            <a:extLst>
-              <a:ext uri="{28A0092B-C50C-407E-A947-70E740481C1C}">
-                <a14:useLocalDpi xmlns:a14="http://schemas.microsoft.com/office/drawing/2010/main" val="0"/>
-              </a:ext>
-            </a:extLst>
-          </a:blip>
-          <a:stretch>
-            <a:fillRect/>
-          </a:stretch>
-        </p:blipFill>
-        <p:spPr>
-          <a:xfrm>
-            <a:off x="8150520" y="0"/>
-            <a:ext cx="671029" cy="671029"/>
-          </a:xfrm>
-          <a:prstGeom prst="rect">
-            <a:avLst/>
-          </a:prstGeom>
-        </p:spPr>
-      </p:pic>
-    </p:spTree>
-    <p:extLst>
-      <p:ext uri="{BB962C8B-B14F-4D97-AF65-F5344CB8AC3E}">
-        <p14:creationId xmlns:p14="http://schemas.microsoft.com/office/powerpoint/2010/main" val="2418282581"/>
-      </p:ext>
-    </p:extLst>
-  </p:cSld>
-  <p:clrMapOvr>
-    <a:masterClrMapping/>
-  </p:clrMapOvr>
-  <p:transition spd="slow">
-    <p:cover/>
-  </p:transition>
-  <p:timing>
-    <p:tnLst>
-      <p:par>
-        <p:cTn id="1" dur="indefinite" restart="never" nodeType="tmRoot"/>
-      </p:par>
-    </p:tnLst>
-  </p:timing>
-</p:sld>
-</file>
-
-<file path=ppt/slides/slide5.xml><?xml version="1.0" encoding="utf-8"?>
-<p:sld xmlns:a="http://schemas.openxmlformats.org/drawingml/2006/main" xmlns:r="http://schemas.openxmlformats.org/officeDocument/2006/relationships" xmlns:p="http://schemas.openxmlformats.org/presentationml/2006/main">
-  <p:cSld>
     <p:bg>
       <p:bgPr>
         <a:blipFill dpi="0" rotWithShape="0">
@@ -6557,15 +5982,7 @@
             </a:pPr>
             <a:r>
               <a:rPr lang="en-US" dirty="0" smtClean="0"/>
-              <a:t>You can see </a:t>
-            </a:r>
-            <a:r>
-              <a:rPr lang="en-US" dirty="0" smtClean="0"/>
-              <a:t>explanations </a:t>
-            </a:r>
-            <a:r>
-              <a:rPr lang="en-US" dirty="0" smtClean="0"/>
-              <a:t>in</a:t>
+              <a:t>You can see explanations in</a:t>
             </a:r>
             <a:r>
               <a:rPr lang="bg-BG" dirty="0" smtClean="0"/>
@@ -6573,19 +5990,7 @@
             </a:r>
             <a:r>
               <a:rPr lang="en-US" dirty="0" smtClean="0"/>
-              <a:t>Bulgarian </a:t>
-            </a:r>
-            <a:r>
-              <a:rPr lang="en-US" dirty="0" smtClean="0"/>
-              <a:t>at</a:t>
-            </a:r>
-            <a:r>
-              <a:rPr lang="en-US" dirty="0" smtClean="0"/>
-              <a:t>:</a:t>
-            </a:r>
-            <a:r>
-              <a:rPr lang="en-US" dirty="0" smtClean="0"/>
-              <a:t/>
+              <a:t>Bulgarian at:</a:t>
             </a:r>
             <a:br>
               <a:rPr lang="en-US" dirty="0" smtClean="0"/>
@@ -7152,6 +6557,581 @@
         </p:txBody>
       </p:sp>
     </p:spTree>
+  </p:cSld>
+  <p:clrMapOvr>
+    <a:masterClrMapping/>
+  </p:clrMapOvr>
+  <p:transition spd="slow">
+    <p:cover/>
+  </p:transition>
+  <p:timing>
+    <p:tnLst>
+      <p:par>
+        <p:cTn id="1" dur="indefinite" restart="never" nodeType="tmRoot"/>
+      </p:par>
+    </p:tnLst>
+  </p:timing>
+</p:sld>
+</file>
+
+<file path=ppt/slides/slide4.xml><?xml version="1.0" encoding="utf-8"?>
+<p:sld xmlns:a="http://schemas.openxmlformats.org/drawingml/2006/main" xmlns:r="http://schemas.openxmlformats.org/officeDocument/2006/relationships" xmlns:p="http://schemas.openxmlformats.org/presentationml/2006/main">
+  <p:cSld>
+    <p:spTree>
+      <p:nvGrpSpPr>
+        <p:cNvPr id="1" name=""/>
+        <p:cNvGrpSpPr/>
+        <p:nvPr/>
+      </p:nvGrpSpPr>
+      <p:grpSpPr>
+        <a:xfrm>
+          <a:off x="0" y="0"/>
+          <a:ext cx="0" cy="0"/>
+          <a:chOff x="0" y="0"/>
+          <a:chExt cx="0" cy="0"/>
+        </a:xfrm>
+      </p:grpSpPr>
+      <p:sp>
+        <p:nvSpPr>
+          <p:cNvPr id="23554" name="Rectangle 2"/>
+          <p:cNvSpPr>
+            <a:spLocks noGrp="1" noChangeArrowheads="1"/>
+          </p:cNvSpPr>
+          <p:nvPr>
+            <p:ph type="title"/>
+          </p:nvPr>
+        </p:nvSpPr>
+        <p:spPr>
+          <a:xfrm>
+            <a:off x="395536" y="227589"/>
+            <a:ext cx="6324600" cy="914400"/>
+          </a:xfrm>
+        </p:spPr>
+        <p:txBody>
+          <a:bodyPr/>
+          <a:lstStyle/>
+          <a:p>
+            <a:pPr algn="ctr"/>
+            <a:r>
+              <a:rPr lang="en-US" sz="3600" dirty="0" smtClean="0"/>
+              <a:t>3 CATEGORIES</a:t>
+            </a:r>
+            <a:endParaRPr lang="en-US" sz="3600" dirty="0"/>
+          </a:p>
+        </p:txBody>
+      </p:sp>
+      <p:sp>
+        <p:nvSpPr>
+          <p:cNvPr id="8" name="Content Placeholder 7"/>
+          <p:cNvSpPr>
+            <a:spLocks noGrp="1"/>
+          </p:cNvSpPr>
+          <p:nvPr>
+            <p:ph idx="1"/>
+          </p:nvPr>
+        </p:nvSpPr>
+        <p:spPr>
+          <a:xfrm>
+            <a:off x="1043608" y="1340768"/>
+            <a:ext cx="6336704" cy="4755232"/>
+          </a:xfrm>
+        </p:spPr>
+        <p:txBody>
+          <a:bodyPr/>
+          <a:lstStyle/>
+          <a:p>
+            <a:pPr marL="457200" indent="-457200">
+              <a:buAutoNum type="arabicPeriod"/>
+            </a:pPr>
+            <a:r>
+              <a:rPr lang="en-US" sz="3200" dirty="0" smtClean="0"/>
+              <a:t>Category </a:t>
+            </a:r>
+            <a:r>
+              <a:rPr lang="en-US" sz="3200" dirty="0" smtClean="0">
+                <a:solidFill>
+                  <a:srgbClr val="FF0000"/>
+                </a:solidFill>
+              </a:rPr>
+              <a:t>“ANIMALS”</a:t>
+            </a:r>
+          </a:p>
+          <a:p>
+            <a:pPr marL="0" indent="0">
+              <a:buNone/>
+            </a:pPr>
+            <a:r>
+              <a:rPr lang="en-US" sz="3200" dirty="0" smtClean="0">
+                <a:solidFill>
+                  <a:srgbClr val="FF0000"/>
+                </a:solidFill>
+              </a:rPr>
+              <a:t> </a:t>
+            </a:r>
+            <a:r>
+              <a:rPr lang="en-US" sz="3200" dirty="0" smtClean="0"/>
+              <a:t>– more than 50 words.</a:t>
+            </a:r>
+          </a:p>
+          <a:p>
+            <a:pPr marL="0" indent="0">
+              <a:buNone/>
+            </a:pPr>
+            <a:r>
+              <a:rPr lang="en-US" sz="3200" dirty="0" smtClean="0"/>
+              <a:t>2. Category </a:t>
+            </a:r>
+            <a:r>
+              <a:rPr lang="en-US" sz="3200" dirty="0" smtClean="0">
+                <a:solidFill>
+                  <a:srgbClr val="FF0000"/>
+                </a:solidFill>
+              </a:rPr>
+              <a:t>“CAPITALS” </a:t>
+            </a:r>
+          </a:p>
+          <a:p>
+            <a:pPr marL="0" indent="0">
+              <a:buNone/>
+            </a:pPr>
+            <a:r>
+              <a:rPr lang="en-US" sz="3200" dirty="0" smtClean="0"/>
+              <a:t>– more than 30 words.</a:t>
+            </a:r>
+          </a:p>
+          <a:p>
+            <a:pPr marL="0" indent="0">
+              <a:buNone/>
+            </a:pPr>
+            <a:r>
+              <a:rPr lang="en-US" sz="3200" dirty="0" smtClean="0"/>
+              <a:t>3. Category </a:t>
+            </a:r>
+            <a:r>
+              <a:rPr lang="en-US" sz="3200" dirty="0" smtClean="0">
+                <a:solidFill>
+                  <a:srgbClr val="FF0000"/>
+                </a:solidFill>
+              </a:rPr>
+              <a:t>“FRUITS AND VEGETABLES” </a:t>
+            </a:r>
+          </a:p>
+          <a:p>
+            <a:pPr marL="0" indent="0">
+              <a:buNone/>
+            </a:pPr>
+            <a:r>
+              <a:rPr lang="en-US" sz="3200" dirty="0" smtClean="0"/>
+              <a:t>– more than 20</a:t>
+            </a:r>
+            <a:r>
+              <a:rPr lang="en-US" sz="3200" dirty="0"/>
+              <a:t> </a:t>
+            </a:r>
+            <a:r>
+              <a:rPr lang="en-US" sz="3200" dirty="0" smtClean="0"/>
+              <a:t>words.</a:t>
+            </a:r>
+          </a:p>
+        </p:txBody>
+      </p:sp>
+      <p:pic>
+        <p:nvPicPr>
+          <p:cNvPr id="6" name="Picture 5"/>
+          <p:cNvPicPr>
+            <a:picLocks noChangeAspect="1"/>
+          </p:cNvPicPr>
+          <p:nvPr/>
+        </p:nvPicPr>
+        <p:blipFill>
+          <a:blip r:embed="rId2" cstate="print">
+            <a:extLst>
+              <a:ext uri="{28A0092B-C50C-407E-A947-70E740481C1C}">
+                <a14:useLocalDpi xmlns:a14="http://schemas.microsoft.com/office/drawing/2010/main" val="0"/>
+              </a:ext>
+            </a:extLst>
+          </a:blip>
+          <a:stretch>
+            <a:fillRect/>
+          </a:stretch>
+        </p:blipFill>
+        <p:spPr>
+          <a:xfrm>
+            <a:off x="8150520" y="0"/>
+            <a:ext cx="671029" cy="671029"/>
+          </a:xfrm>
+          <a:prstGeom prst="rect">
+            <a:avLst/>
+          </a:prstGeom>
+        </p:spPr>
+      </p:pic>
+      <p:sp>
+        <p:nvSpPr>
+          <p:cNvPr id="7" name="TextBox 6"/>
+          <p:cNvSpPr txBox="1"/>
+          <p:nvPr/>
+        </p:nvSpPr>
+        <p:spPr>
+          <a:xfrm>
+            <a:off x="7668342" y="38458"/>
+            <a:ext cx="1635383" cy="646331"/>
+          </a:xfrm>
+          <a:prstGeom prst="rect">
+            <a:avLst/>
+          </a:prstGeom>
+          <a:noFill/>
+        </p:spPr>
+        <p:txBody>
+          <a:bodyPr wrap="none" rtlCol="0">
+            <a:prstTxWarp prst="textArchDown">
+              <a:avLst/>
+            </a:prstTxWarp>
+            <a:spAutoFit/>
+          </a:bodyPr>
+          <a:lstStyle/>
+          <a:p>
+            <a:pPr algn="ctr"/>
+            <a:r>
+              <a:rPr lang="en-US" sz="1200" dirty="0" smtClean="0">
+                <a:effectLst>
+                  <a:outerShdw blurRad="38100" dist="38100" dir="2700000" algn="tl">
+                    <a:srgbClr val="000000">
+                      <a:alpha val="43137"/>
+                    </a:srgbClr>
+                  </a:outerShdw>
+                </a:effectLst>
+              </a:rPr>
+              <a:t>Copyright 2014 </a:t>
+            </a:r>
+          </a:p>
+          <a:p>
+            <a:pPr algn="ctr"/>
+            <a:r>
+              <a:rPr lang="en-US" sz="1200" dirty="0" smtClean="0">
+                <a:effectLst>
+                  <a:outerShdw blurRad="38100" dist="38100" dir="2700000" algn="tl">
+                    <a:srgbClr val="000000">
+                      <a:alpha val="43137"/>
+                    </a:srgbClr>
+                  </a:outerShdw>
+                </a:effectLst>
+              </a:rPr>
+              <a:t>“BANANA YELLOW” </a:t>
+            </a:r>
+          </a:p>
+          <a:p>
+            <a:pPr algn="ctr"/>
+            <a:r>
+              <a:rPr lang="en-US" sz="1200" dirty="0" smtClean="0">
+                <a:effectLst>
+                  <a:outerShdw blurRad="38100" dist="38100" dir="2700000" algn="tl">
+                    <a:srgbClr val="000000">
+                      <a:alpha val="43137"/>
+                    </a:srgbClr>
+                  </a:outerShdw>
+                </a:effectLst>
+              </a:rPr>
+              <a:t>TEAM</a:t>
+            </a:r>
+            <a:endParaRPr lang="bg-BG" sz="1200" dirty="0">
+              <a:effectLst>
+                <a:outerShdw blurRad="38100" dist="38100" dir="2700000" algn="tl">
+                  <a:srgbClr val="000000">
+                    <a:alpha val="43137"/>
+                  </a:srgbClr>
+                </a:outerShdw>
+              </a:effectLst>
+            </a:endParaRPr>
+          </a:p>
+        </p:txBody>
+      </p:sp>
+    </p:spTree>
+    <p:extLst>
+      <p:ext uri="{BB962C8B-B14F-4D97-AF65-F5344CB8AC3E}">
+        <p14:creationId xmlns:p14="http://schemas.microsoft.com/office/powerpoint/2010/main" val="2255378156"/>
+      </p:ext>
+    </p:extLst>
+  </p:cSld>
+  <p:clrMapOvr>
+    <a:masterClrMapping/>
+  </p:clrMapOvr>
+  <p:transition spd="slow">
+    <p:cover/>
+  </p:transition>
+  <p:timing>
+    <p:tnLst>
+      <p:par>
+        <p:cTn id="1" dur="indefinite" restart="never" nodeType="tmRoot"/>
+      </p:par>
+    </p:tnLst>
+  </p:timing>
+</p:sld>
+</file>
+
+<file path=ppt/slides/slide5.xml><?xml version="1.0" encoding="utf-8"?>
+<p:sld xmlns:a="http://schemas.openxmlformats.org/drawingml/2006/main" xmlns:r="http://schemas.openxmlformats.org/officeDocument/2006/relationships" xmlns:p="http://schemas.openxmlformats.org/presentationml/2006/main">
+  <p:cSld>
+    <p:spTree>
+      <p:nvGrpSpPr>
+        <p:cNvPr id="1" name=""/>
+        <p:cNvGrpSpPr/>
+        <p:nvPr/>
+      </p:nvGrpSpPr>
+      <p:grpSpPr>
+        <a:xfrm>
+          <a:off x="0" y="0"/>
+          <a:ext cx="0" cy="0"/>
+          <a:chOff x="0" y="0"/>
+          <a:chExt cx="0" cy="0"/>
+        </a:xfrm>
+      </p:grpSpPr>
+      <p:sp>
+        <p:nvSpPr>
+          <p:cNvPr id="2" name="Title 1"/>
+          <p:cNvSpPr>
+            <a:spLocks noGrp="1"/>
+          </p:cNvSpPr>
+          <p:nvPr>
+            <p:ph type="title"/>
+          </p:nvPr>
+        </p:nvSpPr>
+        <p:spPr>
+          <a:xfrm>
+            <a:off x="395536" y="332656"/>
+            <a:ext cx="6324600" cy="914400"/>
+          </a:xfrm>
+        </p:spPr>
+        <p:txBody>
+          <a:bodyPr/>
+          <a:lstStyle/>
+          <a:p>
+            <a:pPr algn="ctr"/>
+            <a:r>
+              <a:rPr lang="en-US" sz="3600" dirty="0" smtClean="0"/>
+              <a:t>STATISTICS</a:t>
+            </a:r>
+            <a:endParaRPr lang="bg-BG" sz="3600" dirty="0"/>
+          </a:p>
+        </p:txBody>
+      </p:sp>
+      <p:sp>
+        <p:nvSpPr>
+          <p:cNvPr id="3" name="Content Placeholder 2"/>
+          <p:cNvSpPr>
+            <a:spLocks noGrp="1"/>
+          </p:cNvSpPr>
+          <p:nvPr>
+            <p:ph idx="1"/>
+          </p:nvPr>
+        </p:nvSpPr>
+        <p:spPr>
+          <a:xfrm>
+            <a:off x="539552" y="1700808"/>
+            <a:ext cx="6336704" cy="4683224"/>
+          </a:xfrm>
+        </p:spPr>
+        <p:txBody>
+          <a:bodyPr/>
+          <a:lstStyle/>
+          <a:p>
+            <a:pPr marL="0" indent="0" algn="ctr">
+              <a:buNone/>
+            </a:pPr>
+            <a:r>
+              <a:rPr lang="en-US" sz="3200" dirty="0" smtClean="0"/>
+              <a:t>Work Time </a:t>
+            </a:r>
+            <a:r>
+              <a:rPr lang="bg-BG" sz="3200" dirty="0" smtClean="0"/>
+              <a:t>≈</a:t>
+            </a:r>
+            <a:r>
+              <a:rPr lang="en-US" sz="3200" dirty="0" smtClean="0"/>
+              <a:t> 20 h / member.</a:t>
+            </a:r>
+          </a:p>
+          <a:p>
+            <a:pPr marL="0" indent="0" algn="ctr">
+              <a:buNone/>
+            </a:pPr>
+            <a:r>
+              <a:rPr lang="en-US" sz="3200" dirty="0" smtClean="0"/>
+              <a:t>Start Date – 12.09.2014</a:t>
+            </a:r>
+          </a:p>
+          <a:p>
+            <a:pPr marL="0" indent="0" algn="ctr">
+              <a:buNone/>
+            </a:pPr>
+            <a:r>
+              <a:rPr lang="en-US" sz="3200" dirty="0" smtClean="0"/>
+              <a:t>End Date – 16.09.2014</a:t>
+            </a:r>
+          </a:p>
+          <a:p>
+            <a:pPr marL="0" indent="0" algn="ctr">
+              <a:buNone/>
+            </a:pPr>
+            <a:r>
+              <a:rPr lang="en-US" sz="3200" dirty="0" smtClean="0"/>
+              <a:t>More </a:t>
+            </a:r>
+            <a:r>
+              <a:rPr lang="en-US" sz="3200" dirty="0"/>
+              <a:t>than </a:t>
+            </a:r>
+            <a:r>
+              <a:rPr lang="en-US" sz="3200" dirty="0">
+                <a:solidFill>
+                  <a:srgbClr val="FF0000"/>
+                </a:solidFill>
+                <a:effectLst>
+                  <a:outerShdw blurRad="38100" dist="38100" dir="2700000" algn="tl">
+                    <a:srgbClr val="000000">
+                      <a:alpha val="43137"/>
+                    </a:srgbClr>
+                  </a:outerShdw>
+                </a:effectLst>
+              </a:rPr>
+              <a:t>500</a:t>
+            </a:r>
+            <a:r>
+              <a:rPr lang="en-US" sz="3200" dirty="0"/>
+              <a:t> lines of code</a:t>
+            </a:r>
+            <a:r>
+              <a:rPr lang="en-US" sz="3200" dirty="0" smtClean="0"/>
+              <a:t>.</a:t>
+            </a:r>
+          </a:p>
+          <a:p>
+            <a:pPr marL="0" indent="0" algn="ctr">
+              <a:buNone/>
+            </a:pPr>
+            <a:r>
+              <a:rPr lang="en-US" sz="3200" dirty="0" smtClean="0"/>
+              <a:t>80% of the time – DEBUGGING!</a:t>
+            </a:r>
+            <a:endParaRPr lang="en-US" sz="3200" dirty="0"/>
+          </a:p>
+        </p:txBody>
+      </p:sp>
+      <p:sp>
+        <p:nvSpPr>
+          <p:cNvPr id="4" name="TextBox 3"/>
+          <p:cNvSpPr txBox="1"/>
+          <p:nvPr/>
+        </p:nvSpPr>
+        <p:spPr>
+          <a:xfrm>
+            <a:off x="7668342" y="38458"/>
+            <a:ext cx="1635383" cy="646331"/>
+          </a:xfrm>
+          <a:prstGeom prst="rect">
+            <a:avLst/>
+          </a:prstGeom>
+          <a:noFill/>
+        </p:spPr>
+        <p:txBody>
+          <a:bodyPr wrap="none" rtlCol="0">
+            <a:prstTxWarp prst="textArchDown">
+              <a:avLst/>
+            </a:prstTxWarp>
+            <a:spAutoFit/>
+          </a:bodyPr>
+          <a:lstStyle/>
+          <a:p>
+            <a:pPr algn="ctr"/>
+            <a:r>
+              <a:rPr lang="en-US" sz="1200" dirty="0" smtClean="0">
+                <a:effectLst>
+                  <a:outerShdw blurRad="38100" dist="38100" dir="2700000" algn="tl">
+                    <a:srgbClr val="000000">
+                      <a:alpha val="43137"/>
+                    </a:srgbClr>
+                  </a:outerShdw>
+                </a:effectLst>
+              </a:rPr>
+              <a:t>Copyright 2014 </a:t>
+            </a:r>
+          </a:p>
+          <a:p>
+            <a:pPr algn="ctr"/>
+            <a:r>
+              <a:rPr lang="en-US" sz="1200" dirty="0" smtClean="0">
+                <a:effectLst>
+                  <a:outerShdw blurRad="38100" dist="38100" dir="2700000" algn="tl">
+                    <a:srgbClr val="000000">
+                      <a:alpha val="43137"/>
+                    </a:srgbClr>
+                  </a:outerShdw>
+                </a:effectLst>
+              </a:rPr>
+              <a:t>“BANANA YELLOW” </a:t>
+            </a:r>
+          </a:p>
+          <a:p>
+            <a:pPr algn="ctr"/>
+            <a:r>
+              <a:rPr lang="en-US" sz="1200" dirty="0" smtClean="0">
+                <a:effectLst>
+                  <a:outerShdw blurRad="38100" dist="38100" dir="2700000" algn="tl">
+                    <a:srgbClr val="000000">
+                      <a:alpha val="43137"/>
+                    </a:srgbClr>
+                  </a:outerShdw>
+                </a:effectLst>
+              </a:rPr>
+              <a:t>TEAM</a:t>
+            </a:r>
+            <a:endParaRPr lang="bg-BG" sz="1200" dirty="0">
+              <a:effectLst>
+                <a:outerShdw blurRad="38100" dist="38100" dir="2700000" algn="tl">
+                  <a:srgbClr val="000000">
+                    <a:alpha val="43137"/>
+                  </a:srgbClr>
+                </a:outerShdw>
+              </a:effectLst>
+            </a:endParaRPr>
+          </a:p>
+        </p:txBody>
+      </p:sp>
+      <p:pic>
+        <p:nvPicPr>
+          <p:cNvPr id="6" name="Picture 5"/>
+          <p:cNvPicPr>
+            <a:picLocks noChangeAspect="1"/>
+          </p:cNvPicPr>
+          <p:nvPr/>
+        </p:nvPicPr>
+        <p:blipFill>
+          <a:blip r:embed="rId2" cstate="print">
+            <a:extLst>
+              <a:ext uri="{28A0092B-C50C-407E-A947-70E740481C1C}">
+                <a14:useLocalDpi xmlns:a14="http://schemas.microsoft.com/office/drawing/2010/main" val="0"/>
+              </a:ext>
+            </a:extLst>
+          </a:blip>
+          <a:stretch>
+            <a:fillRect/>
+          </a:stretch>
+        </p:blipFill>
+        <p:spPr>
+          <a:xfrm>
+            <a:off x="8150520" y="0"/>
+            <a:ext cx="671029" cy="671029"/>
+          </a:xfrm>
+          <a:prstGeom prst="rect">
+            <a:avLst/>
+          </a:prstGeom>
+        </p:spPr>
+      </p:pic>
+    </p:spTree>
+    <p:extLst>
+      <p:ext uri="{BB962C8B-B14F-4D97-AF65-F5344CB8AC3E}">
+        <p14:creationId xmlns:p14="http://schemas.microsoft.com/office/powerpoint/2010/main" val="2418282581"/>
+      </p:ext>
+    </p:extLst>
   </p:cSld>
   <p:clrMapOvr>
     <a:masterClrMapping/>
